--- a/pics/Launch screen.pptx
+++ b/pics/Launch screen.pptx
@@ -6,6 +6,7 @@
   </p:sldMasterIdLst>
   <p:sldIdLst>
     <p:sldId id="256" r:id="rId2"/>
+    <p:sldId id="257" r:id="rId3"/>
   </p:sldIdLst>
   <p:sldSz cx="9144000" cy="6858000" type="screen4x3"/>
   <p:notesSz cx="6858000" cy="9144000"/>
@@ -304,7 +305,7 @@
           <a:p>
             <a:fld id="{9FF34AC4-D8C8-472C-967E-C5204768A306}" type="datetimeFigureOut">
               <a:rPr lang="ru-RU" smtClean="0"/>
-              <a:t>20.02.2018</a:t>
+              <a:t>16.10.2018</a:t>
             </a:fld>
             <a:endParaRPr lang="ru-RU"/>
           </a:p>
@@ -474,7 +475,7 @@
           <a:p>
             <a:fld id="{9FF34AC4-D8C8-472C-967E-C5204768A306}" type="datetimeFigureOut">
               <a:rPr lang="ru-RU" smtClean="0"/>
-              <a:t>20.02.2018</a:t>
+              <a:t>16.10.2018</a:t>
             </a:fld>
             <a:endParaRPr lang="ru-RU"/>
           </a:p>
@@ -654,7 +655,7 @@
           <a:p>
             <a:fld id="{9FF34AC4-D8C8-472C-967E-C5204768A306}" type="datetimeFigureOut">
               <a:rPr lang="ru-RU" smtClean="0"/>
-              <a:t>20.02.2018</a:t>
+              <a:t>16.10.2018</a:t>
             </a:fld>
             <a:endParaRPr lang="ru-RU"/>
           </a:p>
@@ -824,7 +825,7 @@
           <a:p>
             <a:fld id="{9FF34AC4-D8C8-472C-967E-C5204768A306}" type="datetimeFigureOut">
               <a:rPr lang="ru-RU" smtClean="0"/>
-              <a:t>20.02.2018</a:t>
+              <a:t>16.10.2018</a:t>
             </a:fld>
             <a:endParaRPr lang="ru-RU"/>
           </a:p>
@@ -1070,7 +1071,7 @@
           <a:p>
             <a:fld id="{9FF34AC4-D8C8-472C-967E-C5204768A306}" type="datetimeFigureOut">
               <a:rPr lang="ru-RU" smtClean="0"/>
-              <a:t>20.02.2018</a:t>
+              <a:t>16.10.2018</a:t>
             </a:fld>
             <a:endParaRPr lang="ru-RU"/>
           </a:p>
@@ -1358,7 +1359,7 @@
           <a:p>
             <a:fld id="{9FF34AC4-D8C8-472C-967E-C5204768A306}" type="datetimeFigureOut">
               <a:rPr lang="ru-RU" smtClean="0"/>
-              <a:t>20.02.2018</a:t>
+              <a:t>16.10.2018</a:t>
             </a:fld>
             <a:endParaRPr lang="ru-RU"/>
           </a:p>
@@ -1780,7 +1781,7 @@
           <a:p>
             <a:fld id="{9FF34AC4-D8C8-472C-967E-C5204768A306}" type="datetimeFigureOut">
               <a:rPr lang="ru-RU" smtClean="0"/>
-              <a:t>20.02.2018</a:t>
+              <a:t>16.10.2018</a:t>
             </a:fld>
             <a:endParaRPr lang="ru-RU"/>
           </a:p>
@@ -1898,7 +1899,7 @@
           <a:p>
             <a:fld id="{9FF34AC4-D8C8-472C-967E-C5204768A306}" type="datetimeFigureOut">
               <a:rPr lang="ru-RU" smtClean="0"/>
-              <a:t>20.02.2018</a:t>
+              <a:t>16.10.2018</a:t>
             </a:fld>
             <a:endParaRPr lang="ru-RU"/>
           </a:p>
@@ -1993,7 +1994,7 @@
           <a:p>
             <a:fld id="{9FF34AC4-D8C8-472C-967E-C5204768A306}" type="datetimeFigureOut">
               <a:rPr lang="ru-RU" smtClean="0"/>
-              <a:t>20.02.2018</a:t>
+              <a:t>16.10.2018</a:t>
             </a:fld>
             <a:endParaRPr lang="ru-RU"/>
           </a:p>
@@ -2270,7 +2271,7 @@
           <a:p>
             <a:fld id="{9FF34AC4-D8C8-472C-967E-C5204768A306}" type="datetimeFigureOut">
               <a:rPr lang="ru-RU" smtClean="0"/>
-              <a:t>20.02.2018</a:t>
+              <a:t>16.10.2018</a:t>
             </a:fld>
             <a:endParaRPr lang="ru-RU"/>
           </a:p>
@@ -2523,7 +2524,7 @@
           <a:p>
             <a:fld id="{9FF34AC4-D8C8-472C-967E-C5204768A306}" type="datetimeFigureOut">
               <a:rPr lang="ru-RU" smtClean="0"/>
-              <a:t>20.02.2018</a:t>
+              <a:t>16.10.2018</a:t>
             </a:fld>
             <a:endParaRPr lang="ru-RU"/>
           </a:p>
@@ -2736,7 +2737,7 @@
           <a:p>
             <a:fld id="{9FF34AC4-D8C8-472C-967E-C5204768A306}" type="datetimeFigureOut">
               <a:rPr lang="ru-RU" smtClean="0"/>
-              <a:t>20.02.2018</a:t>
+              <a:t>16.10.2018</a:t>
             </a:fld>
             <a:endParaRPr lang="ru-RU"/>
           </a:p>
@@ -3119,7 +3120,7 @@
         </p:nvSpPr>
         <p:spPr>
           <a:xfrm>
-            <a:off x="2952020" y="1629000"/>
+            <a:off x="2721600" y="1533906"/>
             <a:ext cx="3600000" cy="3600000"/>
           </a:xfrm>
           <a:prstGeom prst="rect">
@@ -3157,18 +3158,966 @@
           </a:p>
         </p:txBody>
       </p:sp>
+      <p:sp>
+        <p:nvSpPr>
+          <p:cNvPr id="3" name="Rectangle 2"/>
+          <p:cNvSpPr/>
+          <p:nvPr/>
+        </p:nvSpPr>
+        <p:spPr>
+          <a:xfrm>
+            <a:off x="4067944" y="2416629"/>
+            <a:ext cx="1620180" cy="2020483"/>
+          </a:xfrm>
+          <a:prstGeom prst="rect">
+            <a:avLst/>
+          </a:prstGeom>
+          <a:noFill/>
+          <a:ln>
+            <a:noFill/>
+          </a:ln>
+        </p:spPr>
+        <p:style>
+          <a:lnRef idx="2">
+            <a:schemeClr val="accent1">
+              <a:shade val="50000"/>
+            </a:schemeClr>
+          </a:lnRef>
+          <a:fillRef idx="1">
+            <a:schemeClr val="accent1"/>
+          </a:fillRef>
+          <a:effectRef idx="0">
+            <a:schemeClr val="accent1"/>
+          </a:effectRef>
+          <a:fontRef idx="minor">
+            <a:schemeClr val="lt1"/>
+          </a:fontRef>
+        </p:style>
+        <p:txBody>
+          <a:bodyPr rtlCol="0" anchor="ctr"/>
+          <a:lstStyle/>
+          <a:p>
+            <a:pPr algn="ctr"/>
+            <a:endParaRPr lang="en-US"/>
+          </a:p>
+        </p:txBody>
+      </p:sp>
       <p:grpSp>
         <p:nvGrpSpPr>
-          <p:cNvPr id="8" name="Group 7"/>
+          <p:cNvPr id="11" name="Группа 10"/>
           <p:cNvGrpSpPr/>
           <p:nvPr/>
         </p:nvGrpSpPr>
         <p:grpSpPr>
           <a:xfrm>
-            <a:off x="4031940" y="2416629"/>
-            <a:ext cx="1620180" cy="2024742"/>
-            <a:chOff x="4031940" y="2416629"/>
-            <a:chExt cx="1620180" cy="2024742"/>
+            <a:off x="4482000" y="3622399"/>
+            <a:ext cx="272340" cy="612000"/>
+            <a:chOff x="4482000" y="3622399"/>
+            <a:chExt cx="272340" cy="612000"/>
+          </a:xfrm>
+        </p:grpSpPr>
+        <p:sp>
+          <p:nvSpPr>
+            <p:cNvPr id="16" name="Rectangle 15"/>
+            <p:cNvSpPr/>
+            <p:nvPr/>
+          </p:nvSpPr>
+          <p:spPr>
+            <a:xfrm>
+              <a:off x="4581784" y="3724609"/>
+              <a:ext cx="68085" cy="68140"/>
+            </a:xfrm>
+            <a:prstGeom prst="rect">
+              <a:avLst/>
+            </a:prstGeom>
+            <a:solidFill>
+              <a:srgbClr val="B3E6D5"/>
+            </a:solidFill>
+            <a:ln>
+              <a:noFill/>
+            </a:ln>
+          </p:spPr>
+          <p:style>
+            <a:lnRef idx="2">
+              <a:schemeClr val="accent1">
+                <a:shade val="50000"/>
+              </a:schemeClr>
+            </a:lnRef>
+            <a:fillRef idx="1">
+              <a:schemeClr val="accent1"/>
+            </a:fillRef>
+            <a:effectRef idx="0">
+              <a:schemeClr val="accent1"/>
+            </a:effectRef>
+            <a:fontRef idx="minor">
+              <a:schemeClr val="lt1"/>
+            </a:fontRef>
+          </p:style>
+          <p:txBody>
+            <a:bodyPr rtlCol="0" anchor="ctr"/>
+            <a:lstStyle/>
+            <a:p>
+              <a:pPr algn="ctr"/>
+              <a:endParaRPr lang="en-US"/>
+            </a:p>
+          </p:txBody>
+        </p:sp>
+        <p:grpSp>
+          <p:nvGrpSpPr>
+            <p:cNvPr id="7" name="Группа 6"/>
+            <p:cNvGrpSpPr/>
+            <p:nvPr/>
+          </p:nvGrpSpPr>
+          <p:grpSpPr>
+            <a:xfrm>
+              <a:off x="4482000" y="3622399"/>
+              <a:ext cx="272340" cy="612000"/>
+              <a:chOff x="4482000" y="3622399"/>
+              <a:chExt cx="272340" cy="612000"/>
+            </a:xfrm>
+          </p:grpSpPr>
+          <p:sp>
+            <p:nvSpPr>
+              <p:cNvPr id="13" name="Frame 12"/>
+              <p:cNvSpPr/>
+              <p:nvPr/>
+            </p:nvSpPr>
+            <p:spPr>
+              <a:xfrm>
+                <a:off x="4482000" y="3622399"/>
+                <a:ext cx="272340" cy="272560"/>
+              </a:xfrm>
+              <a:prstGeom prst="frame">
+                <a:avLst>
+                  <a:gd name="adj1" fmla="val 13342"/>
+                </a:avLst>
+              </a:prstGeom>
+              <a:solidFill>
+                <a:srgbClr val="B3E6D5"/>
+              </a:solidFill>
+              <a:ln>
+                <a:noFill/>
+              </a:ln>
+            </p:spPr>
+            <p:style>
+              <a:lnRef idx="2">
+                <a:schemeClr val="accent1">
+                  <a:shade val="50000"/>
+                </a:schemeClr>
+              </a:lnRef>
+              <a:fillRef idx="1">
+                <a:schemeClr val="accent1"/>
+              </a:fillRef>
+              <a:effectRef idx="0">
+                <a:schemeClr val="accent1"/>
+              </a:effectRef>
+              <a:fontRef idx="minor">
+                <a:schemeClr val="lt1"/>
+              </a:fontRef>
+            </p:style>
+            <p:txBody>
+              <a:bodyPr rtlCol="0" anchor="ctr"/>
+              <a:lstStyle/>
+              <a:p>
+                <a:pPr algn="ctr"/>
+                <a:endParaRPr lang="en-US">
+                  <a:solidFill>
+                    <a:schemeClr val="tx1"/>
+                  </a:solidFill>
+                </a:endParaRPr>
+              </a:p>
+            </p:txBody>
+          </p:sp>
+          <p:sp>
+            <p:nvSpPr>
+              <p:cNvPr id="18" name="Rectangle 17"/>
+              <p:cNvSpPr/>
+              <p:nvPr/>
+            </p:nvSpPr>
+            <p:spPr>
+              <a:xfrm>
+                <a:off x="4580905" y="4062789"/>
+                <a:ext cx="68085" cy="68140"/>
+              </a:xfrm>
+              <a:prstGeom prst="rect">
+                <a:avLst/>
+              </a:prstGeom>
+              <a:solidFill>
+                <a:srgbClr val="B3E6D5"/>
+              </a:solidFill>
+              <a:ln>
+                <a:noFill/>
+              </a:ln>
+            </p:spPr>
+            <p:style>
+              <a:lnRef idx="2">
+                <a:schemeClr val="accent1">
+                  <a:shade val="50000"/>
+                </a:schemeClr>
+              </a:lnRef>
+              <a:fillRef idx="1">
+                <a:schemeClr val="accent1"/>
+              </a:fillRef>
+              <a:effectRef idx="0">
+                <a:schemeClr val="accent1"/>
+              </a:effectRef>
+              <a:fontRef idx="minor">
+                <a:schemeClr val="lt1"/>
+              </a:fontRef>
+            </p:style>
+            <p:txBody>
+              <a:bodyPr rtlCol="0" anchor="ctr"/>
+              <a:lstStyle/>
+              <a:p>
+                <a:pPr algn="ctr"/>
+                <a:endParaRPr lang="en-US"/>
+              </a:p>
+            </p:txBody>
+          </p:sp>
+          <p:sp>
+            <p:nvSpPr>
+              <p:cNvPr id="19" name="Frame 18"/>
+              <p:cNvSpPr/>
+              <p:nvPr/>
+            </p:nvSpPr>
+            <p:spPr>
+              <a:xfrm>
+                <a:off x="4482000" y="3961839"/>
+                <a:ext cx="272340" cy="272560"/>
+              </a:xfrm>
+              <a:prstGeom prst="frame">
+                <a:avLst>
+                  <a:gd name="adj1" fmla="val 13342"/>
+                </a:avLst>
+              </a:prstGeom>
+              <a:solidFill>
+                <a:srgbClr val="B3E6D5"/>
+              </a:solidFill>
+              <a:ln>
+                <a:noFill/>
+              </a:ln>
+            </p:spPr>
+            <p:style>
+              <a:lnRef idx="2">
+                <a:schemeClr val="accent1">
+                  <a:shade val="50000"/>
+                </a:schemeClr>
+              </a:lnRef>
+              <a:fillRef idx="1">
+                <a:schemeClr val="accent1"/>
+              </a:fillRef>
+              <a:effectRef idx="0">
+                <a:schemeClr val="accent1"/>
+              </a:effectRef>
+              <a:fontRef idx="minor">
+                <a:schemeClr val="lt1"/>
+              </a:fontRef>
+            </p:style>
+            <p:txBody>
+              <a:bodyPr rtlCol="0" anchor="ctr"/>
+              <a:lstStyle/>
+              <a:p>
+                <a:pPr algn="ctr"/>
+                <a:endParaRPr lang="en-US">
+                  <a:solidFill>
+                    <a:schemeClr val="tx1"/>
+                  </a:solidFill>
+                </a:endParaRPr>
+              </a:p>
+            </p:txBody>
+          </p:sp>
+        </p:grpSp>
+      </p:grpSp>
+      <p:grpSp>
+        <p:nvGrpSpPr>
+          <p:cNvPr id="9" name="Group 8"/>
+          <p:cNvGrpSpPr/>
+          <p:nvPr/>
+        </p:nvGrpSpPr>
+        <p:grpSpPr>
+          <a:xfrm>
+            <a:off x="5000400" y="3622400"/>
+            <a:ext cx="272340" cy="612000"/>
+            <a:chOff x="4911694" y="3640566"/>
+            <a:chExt cx="272340" cy="612000"/>
+          </a:xfrm>
+        </p:grpSpPr>
+        <p:grpSp>
+          <p:nvGrpSpPr>
+            <p:cNvPr id="20" name="Group 19"/>
+            <p:cNvGrpSpPr/>
+            <p:nvPr/>
+          </p:nvGrpSpPr>
+          <p:grpSpPr>
+            <a:xfrm>
+              <a:off x="4911694" y="3640566"/>
+              <a:ext cx="272340" cy="272560"/>
+              <a:chOff x="6607320" y="3452400"/>
+              <a:chExt cx="720000" cy="720000"/>
+            </a:xfrm>
+            <a:solidFill>
+              <a:srgbClr val="B3E6D5"/>
+            </a:solidFill>
+          </p:grpSpPr>
+          <p:sp>
+            <p:nvSpPr>
+              <p:cNvPr id="21" name="Rectangle 20"/>
+              <p:cNvSpPr/>
+              <p:nvPr/>
+            </p:nvSpPr>
+            <p:spPr>
+              <a:xfrm>
+                <a:off x="6877320" y="3722400"/>
+                <a:ext cx="180000" cy="180000"/>
+              </a:xfrm>
+              <a:prstGeom prst="rect">
+                <a:avLst/>
+              </a:prstGeom>
+              <a:grpFill/>
+              <a:ln>
+                <a:noFill/>
+              </a:ln>
+            </p:spPr>
+            <p:style>
+              <a:lnRef idx="2">
+                <a:schemeClr val="accent1">
+                  <a:shade val="50000"/>
+                </a:schemeClr>
+              </a:lnRef>
+              <a:fillRef idx="1">
+                <a:schemeClr val="accent1"/>
+              </a:fillRef>
+              <a:effectRef idx="0">
+                <a:schemeClr val="accent1"/>
+              </a:effectRef>
+              <a:fontRef idx="minor">
+                <a:schemeClr val="lt1"/>
+              </a:fontRef>
+            </p:style>
+            <p:txBody>
+              <a:bodyPr rtlCol="0" anchor="ctr"/>
+              <a:lstStyle/>
+              <a:p>
+                <a:pPr algn="ctr"/>
+                <a:endParaRPr lang="en-US"/>
+              </a:p>
+            </p:txBody>
+          </p:sp>
+          <p:sp>
+            <p:nvSpPr>
+              <p:cNvPr id="22" name="Frame 21"/>
+              <p:cNvSpPr/>
+              <p:nvPr/>
+            </p:nvSpPr>
+            <p:spPr>
+              <a:xfrm>
+                <a:off x="6607320" y="3452400"/>
+                <a:ext cx="720000" cy="720000"/>
+              </a:xfrm>
+              <a:prstGeom prst="frame">
+                <a:avLst>
+                  <a:gd name="adj1" fmla="val 13342"/>
+                </a:avLst>
+              </a:prstGeom>
+              <a:grpFill/>
+              <a:ln>
+                <a:noFill/>
+              </a:ln>
+            </p:spPr>
+            <p:style>
+              <a:lnRef idx="2">
+                <a:schemeClr val="accent1">
+                  <a:shade val="50000"/>
+                </a:schemeClr>
+              </a:lnRef>
+              <a:fillRef idx="1">
+                <a:schemeClr val="accent1"/>
+              </a:fillRef>
+              <a:effectRef idx="0">
+                <a:schemeClr val="accent1"/>
+              </a:effectRef>
+              <a:fontRef idx="minor">
+                <a:schemeClr val="lt1"/>
+              </a:fontRef>
+            </p:style>
+            <p:txBody>
+              <a:bodyPr rtlCol="0" anchor="ctr"/>
+              <a:lstStyle/>
+              <a:p>
+                <a:pPr algn="ctr"/>
+                <a:endParaRPr lang="en-US">
+                  <a:solidFill>
+                    <a:schemeClr val="tx1"/>
+                  </a:solidFill>
+                </a:endParaRPr>
+              </a:p>
+            </p:txBody>
+          </p:sp>
+        </p:grpSp>
+        <p:grpSp>
+          <p:nvGrpSpPr>
+            <p:cNvPr id="23" name="Group 22"/>
+            <p:cNvGrpSpPr/>
+            <p:nvPr/>
+          </p:nvGrpSpPr>
+          <p:grpSpPr>
+            <a:xfrm>
+              <a:off x="4911694" y="3981266"/>
+              <a:ext cx="272340" cy="271300"/>
+              <a:chOff x="6251494" y="4352395"/>
+              <a:chExt cx="720000" cy="716677"/>
+            </a:xfrm>
+            <a:solidFill>
+              <a:srgbClr val="B3E6D5"/>
+            </a:solidFill>
+          </p:grpSpPr>
+          <p:sp>
+            <p:nvSpPr>
+              <p:cNvPr id="24" name="Rectangle 23"/>
+              <p:cNvSpPr/>
+              <p:nvPr/>
+            </p:nvSpPr>
+            <p:spPr>
+              <a:xfrm>
+                <a:off x="6791494" y="4352395"/>
+                <a:ext cx="180000" cy="180000"/>
+              </a:xfrm>
+              <a:prstGeom prst="rect">
+                <a:avLst/>
+              </a:prstGeom>
+              <a:grpFill/>
+              <a:ln>
+                <a:noFill/>
+              </a:ln>
+            </p:spPr>
+            <p:style>
+              <a:lnRef idx="2">
+                <a:schemeClr val="accent1">
+                  <a:shade val="50000"/>
+                </a:schemeClr>
+              </a:lnRef>
+              <a:fillRef idx="1">
+                <a:schemeClr val="accent1"/>
+              </a:fillRef>
+              <a:effectRef idx="0">
+                <a:schemeClr val="accent1"/>
+              </a:effectRef>
+              <a:fontRef idx="minor">
+                <a:schemeClr val="lt1"/>
+              </a:fontRef>
+            </p:style>
+            <p:txBody>
+              <a:bodyPr rtlCol="0" anchor="ctr"/>
+              <a:lstStyle/>
+              <a:p>
+                <a:pPr algn="ctr"/>
+                <a:endParaRPr lang="en-US"/>
+              </a:p>
+            </p:txBody>
+          </p:sp>
+          <p:sp>
+            <p:nvSpPr>
+              <p:cNvPr id="25" name="Rectangle 24"/>
+              <p:cNvSpPr/>
+              <p:nvPr/>
+            </p:nvSpPr>
+            <p:spPr>
+              <a:xfrm>
+                <a:off x="6431494" y="4352398"/>
+                <a:ext cx="180000" cy="180000"/>
+              </a:xfrm>
+              <a:prstGeom prst="rect">
+                <a:avLst/>
+              </a:prstGeom>
+              <a:grpFill/>
+              <a:ln>
+                <a:noFill/>
+              </a:ln>
+            </p:spPr>
+            <p:style>
+              <a:lnRef idx="2">
+                <a:schemeClr val="accent1">
+                  <a:shade val="50000"/>
+                </a:schemeClr>
+              </a:lnRef>
+              <a:fillRef idx="1">
+                <a:schemeClr val="accent1"/>
+              </a:fillRef>
+              <a:effectRef idx="0">
+                <a:schemeClr val="accent1"/>
+              </a:effectRef>
+              <a:fontRef idx="minor">
+                <a:schemeClr val="lt1"/>
+              </a:fontRef>
+            </p:style>
+            <p:txBody>
+              <a:bodyPr rtlCol="0" anchor="ctr"/>
+              <a:lstStyle/>
+              <a:p>
+                <a:pPr algn="ctr"/>
+                <a:endParaRPr lang="en-US"/>
+              </a:p>
+            </p:txBody>
+          </p:sp>
+          <p:sp>
+            <p:nvSpPr>
+              <p:cNvPr id="26" name="Rectangle 25"/>
+              <p:cNvSpPr/>
+              <p:nvPr/>
+            </p:nvSpPr>
+            <p:spPr>
+              <a:xfrm>
+                <a:off x="6251494" y="4532395"/>
+                <a:ext cx="180000" cy="180000"/>
+              </a:xfrm>
+              <a:prstGeom prst="rect">
+                <a:avLst/>
+              </a:prstGeom>
+              <a:grpFill/>
+              <a:ln>
+                <a:noFill/>
+              </a:ln>
+            </p:spPr>
+            <p:style>
+              <a:lnRef idx="2">
+                <a:schemeClr val="accent1">
+                  <a:shade val="50000"/>
+                </a:schemeClr>
+              </a:lnRef>
+              <a:fillRef idx="1">
+                <a:schemeClr val="accent1"/>
+              </a:fillRef>
+              <a:effectRef idx="0">
+                <a:schemeClr val="accent1"/>
+              </a:effectRef>
+              <a:fontRef idx="minor">
+                <a:schemeClr val="lt1"/>
+              </a:fontRef>
+            </p:style>
+            <p:txBody>
+              <a:bodyPr rtlCol="0" anchor="ctr"/>
+              <a:lstStyle/>
+              <a:p>
+                <a:pPr algn="ctr"/>
+                <a:endParaRPr lang="en-US"/>
+              </a:p>
+            </p:txBody>
+          </p:sp>
+          <p:sp>
+            <p:nvSpPr>
+              <p:cNvPr id="27" name="Rectangle 26"/>
+              <p:cNvSpPr/>
+              <p:nvPr/>
+            </p:nvSpPr>
+            <p:spPr>
+              <a:xfrm>
+                <a:off x="6611494" y="4532398"/>
+                <a:ext cx="180000" cy="180000"/>
+              </a:xfrm>
+              <a:prstGeom prst="rect">
+                <a:avLst/>
+              </a:prstGeom>
+              <a:grpFill/>
+              <a:ln>
+                <a:noFill/>
+              </a:ln>
+            </p:spPr>
+            <p:style>
+              <a:lnRef idx="2">
+                <a:schemeClr val="accent1">
+                  <a:shade val="50000"/>
+                </a:schemeClr>
+              </a:lnRef>
+              <a:fillRef idx="1">
+                <a:schemeClr val="accent1"/>
+              </a:fillRef>
+              <a:effectRef idx="0">
+                <a:schemeClr val="accent1"/>
+              </a:effectRef>
+              <a:fontRef idx="minor">
+                <a:schemeClr val="lt1"/>
+              </a:fontRef>
+            </p:style>
+            <p:txBody>
+              <a:bodyPr rtlCol="0" anchor="ctr"/>
+              <a:lstStyle/>
+              <a:p>
+                <a:pPr algn="ctr"/>
+                <a:endParaRPr lang="en-US"/>
+              </a:p>
+            </p:txBody>
+          </p:sp>
+          <p:sp>
+            <p:nvSpPr>
+              <p:cNvPr id="28" name="Rectangle 27"/>
+              <p:cNvSpPr/>
+              <p:nvPr/>
+            </p:nvSpPr>
+            <p:spPr>
+              <a:xfrm>
+                <a:off x="6431494" y="4712403"/>
+                <a:ext cx="180000" cy="180000"/>
+              </a:xfrm>
+              <a:prstGeom prst="rect">
+                <a:avLst/>
+              </a:prstGeom>
+              <a:grpFill/>
+              <a:ln>
+                <a:noFill/>
+              </a:ln>
+            </p:spPr>
+            <p:style>
+              <a:lnRef idx="2">
+                <a:schemeClr val="accent1">
+                  <a:shade val="50000"/>
+                </a:schemeClr>
+              </a:lnRef>
+              <a:fillRef idx="1">
+                <a:schemeClr val="accent1"/>
+              </a:fillRef>
+              <a:effectRef idx="0">
+                <a:schemeClr val="accent1"/>
+              </a:effectRef>
+              <a:fontRef idx="minor">
+                <a:schemeClr val="lt1"/>
+              </a:fontRef>
+            </p:style>
+            <p:txBody>
+              <a:bodyPr rtlCol="0" anchor="ctr"/>
+              <a:lstStyle/>
+              <a:p>
+                <a:pPr algn="ctr"/>
+                <a:endParaRPr lang="en-US"/>
+              </a:p>
+            </p:txBody>
+          </p:sp>
+          <p:sp>
+            <p:nvSpPr>
+              <p:cNvPr id="29" name="Rectangle 28"/>
+              <p:cNvSpPr/>
+              <p:nvPr/>
+            </p:nvSpPr>
+            <p:spPr>
+              <a:xfrm>
+                <a:off x="6791494" y="4712408"/>
+                <a:ext cx="180000" cy="180000"/>
+              </a:xfrm>
+              <a:prstGeom prst="rect">
+                <a:avLst/>
+              </a:prstGeom>
+              <a:grpFill/>
+              <a:ln>
+                <a:noFill/>
+              </a:ln>
+            </p:spPr>
+            <p:style>
+              <a:lnRef idx="2">
+                <a:schemeClr val="accent1">
+                  <a:shade val="50000"/>
+                </a:schemeClr>
+              </a:lnRef>
+              <a:fillRef idx="1">
+                <a:schemeClr val="accent1"/>
+              </a:fillRef>
+              <a:effectRef idx="0">
+                <a:schemeClr val="accent1"/>
+              </a:effectRef>
+              <a:fontRef idx="minor">
+                <a:schemeClr val="lt1"/>
+              </a:fontRef>
+            </p:style>
+            <p:txBody>
+              <a:bodyPr rtlCol="0" anchor="ctr"/>
+              <a:lstStyle/>
+              <a:p>
+                <a:pPr algn="ctr"/>
+                <a:endParaRPr lang="en-US"/>
+              </a:p>
+            </p:txBody>
+          </p:sp>
+          <p:sp>
+            <p:nvSpPr>
+              <p:cNvPr id="30" name="Rectangle 29"/>
+              <p:cNvSpPr/>
+              <p:nvPr/>
+            </p:nvSpPr>
+            <p:spPr>
+              <a:xfrm>
+                <a:off x="6611494" y="4889069"/>
+                <a:ext cx="180000" cy="180000"/>
+              </a:xfrm>
+              <a:prstGeom prst="rect">
+                <a:avLst/>
+              </a:prstGeom>
+              <a:grpFill/>
+              <a:ln>
+                <a:noFill/>
+              </a:ln>
+            </p:spPr>
+            <p:style>
+              <a:lnRef idx="2">
+                <a:schemeClr val="accent1">
+                  <a:shade val="50000"/>
+                </a:schemeClr>
+              </a:lnRef>
+              <a:fillRef idx="1">
+                <a:schemeClr val="accent1"/>
+              </a:fillRef>
+              <a:effectRef idx="0">
+                <a:schemeClr val="accent1"/>
+              </a:effectRef>
+              <a:fontRef idx="minor">
+                <a:schemeClr val="lt1"/>
+              </a:fontRef>
+            </p:style>
+            <p:txBody>
+              <a:bodyPr rtlCol="0" anchor="ctr"/>
+              <a:lstStyle/>
+              <a:p>
+                <a:pPr algn="ctr"/>
+                <a:endParaRPr lang="en-US"/>
+              </a:p>
+            </p:txBody>
+          </p:sp>
+          <p:sp>
+            <p:nvSpPr>
+              <p:cNvPr id="31" name="Rectangle 30"/>
+              <p:cNvSpPr/>
+              <p:nvPr/>
+            </p:nvSpPr>
+            <p:spPr>
+              <a:xfrm>
+                <a:off x="6251494" y="4889072"/>
+                <a:ext cx="180000" cy="180000"/>
+              </a:xfrm>
+              <a:prstGeom prst="rect">
+                <a:avLst/>
+              </a:prstGeom>
+              <a:grpFill/>
+              <a:ln>
+                <a:noFill/>
+              </a:ln>
+            </p:spPr>
+            <p:style>
+              <a:lnRef idx="2">
+                <a:schemeClr val="accent1">
+                  <a:shade val="50000"/>
+                </a:schemeClr>
+              </a:lnRef>
+              <a:fillRef idx="1">
+                <a:schemeClr val="accent1"/>
+              </a:fillRef>
+              <a:effectRef idx="0">
+                <a:schemeClr val="accent1"/>
+              </a:effectRef>
+              <a:fontRef idx="minor">
+                <a:schemeClr val="lt1"/>
+              </a:fontRef>
+            </p:style>
+            <p:txBody>
+              <a:bodyPr rtlCol="0" anchor="ctr"/>
+              <a:lstStyle/>
+              <a:p>
+                <a:pPr algn="ctr"/>
+                <a:endParaRPr lang="en-US"/>
+              </a:p>
+            </p:txBody>
+          </p:sp>
+        </p:grpSp>
+      </p:grpSp>
+      <p:cxnSp>
+        <p:nvCxnSpPr>
+          <p:cNvPr id="12" name="Прямая соединительная линия 11"/>
+          <p:cNvCxnSpPr>
+            <a:cxnSpLocks noChangeAspect="1"/>
+          </p:cNvCxnSpPr>
+          <p:nvPr/>
+        </p:nvCxnSpPr>
+        <p:spPr>
+          <a:xfrm>
+            <a:off x="4266000" y="2808000"/>
+            <a:ext cx="1224000" cy="0"/>
+          </a:xfrm>
+          <a:prstGeom prst="line">
+            <a:avLst/>
+          </a:prstGeom>
+          <a:ln w="25400">
+            <a:solidFill>
+              <a:srgbClr val="B3E6D5"/>
+            </a:solidFill>
+          </a:ln>
+        </p:spPr>
+        <p:style>
+          <a:lnRef idx="1">
+            <a:schemeClr val="accent1"/>
+          </a:lnRef>
+          <a:fillRef idx="0">
+            <a:schemeClr val="accent1"/>
+          </a:fillRef>
+          <a:effectRef idx="0">
+            <a:schemeClr val="accent1"/>
+          </a:effectRef>
+          <a:fontRef idx="minor">
+            <a:schemeClr val="tx1"/>
+          </a:fontRef>
+        </p:style>
+      </p:cxnSp>
+      <p:cxnSp>
+        <p:nvCxnSpPr>
+          <p:cNvPr id="14" name="Прямая соединительная линия 13"/>
+          <p:cNvCxnSpPr>
+            <a:cxnSpLocks noChangeAspect="1"/>
+          </p:cNvCxnSpPr>
+          <p:nvPr/>
+        </p:nvCxnSpPr>
+        <p:spPr>
+          <a:xfrm>
+            <a:off x="4266000" y="3096000"/>
+            <a:ext cx="1224000" cy="0"/>
+          </a:xfrm>
+          <a:prstGeom prst="line">
+            <a:avLst/>
+          </a:prstGeom>
+          <a:ln w="25400">
+            <a:solidFill>
+              <a:srgbClr val="B3E6D5"/>
+            </a:solidFill>
+          </a:ln>
+        </p:spPr>
+        <p:style>
+          <a:lnRef idx="1">
+            <a:schemeClr val="accent1"/>
+          </a:lnRef>
+          <a:fillRef idx="0">
+            <a:schemeClr val="accent1"/>
+          </a:fillRef>
+          <a:effectRef idx="0">
+            <a:schemeClr val="accent1"/>
+          </a:effectRef>
+          <a:fontRef idx="minor">
+            <a:schemeClr val="tx1"/>
+          </a:fontRef>
+        </p:style>
+      </p:cxnSp>
+      <p:cxnSp>
+        <p:nvCxnSpPr>
+          <p:cNvPr id="15" name="Прямая соединительная линия 14"/>
+          <p:cNvCxnSpPr>
+            <a:cxnSpLocks noChangeAspect="1"/>
+          </p:cNvCxnSpPr>
+          <p:nvPr/>
+        </p:nvCxnSpPr>
+        <p:spPr>
+          <a:xfrm>
+            <a:off x="4266000" y="3384000"/>
+            <a:ext cx="1224000" cy="0"/>
+          </a:xfrm>
+          <a:prstGeom prst="line">
+            <a:avLst/>
+          </a:prstGeom>
+          <a:ln w="25400">
+            <a:solidFill>
+              <a:srgbClr val="B3E6D5"/>
+            </a:solidFill>
+          </a:ln>
+        </p:spPr>
+        <p:style>
+          <a:lnRef idx="1">
+            <a:schemeClr val="accent1"/>
+          </a:lnRef>
+          <a:fillRef idx="0">
+            <a:schemeClr val="accent1"/>
+          </a:fillRef>
+          <a:effectRef idx="0">
+            <a:schemeClr val="accent1"/>
+          </a:effectRef>
+          <a:fontRef idx="minor">
+            <a:schemeClr val="tx1"/>
+          </a:fontRef>
+        </p:style>
+      </p:cxnSp>
+      <p:cxnSp>
+        <p:nvCxnSpPr>
+          <p:cNvPr id="37" name="Straight Connector 36"/>
+          <p:cNvCxnSpPr/>
+          <p:nvPr/>
+        </p:nvCxnSpPr>
+        <p:spPr>
+          <a:xfrm>
+            <a:off x="6156176" y="1988840"/>
+            <a:ext cx="0" cy="2592288"/>
+          </a:xfrm>
+          <a:prstGeom prst="line">
+            <a:avLst/>
+          </a:prstGeom>
+          <a:ln w="34925">
+            <a:solidFill>
+              <a:srgbClr val="FFFF00"/>
+            </a:solidFill>
+          </a:ln>
+        </p:spPr>
+        <p:style>
+          <a:lnRef idx="1">
+            <a:schemeClr val="accent1"/>
+          </a:lnRef>
+          <a:fillRef idx="0">
+            <a:schemeClr val="accent1"/>
+          </a:fillRef>
+          <a:effectRef idx="0">
+            <a:schemeClr val="accent1"/>
+          </a:effectRef>
+          <a:fontRef idx="minor">
+            <a:schemeClr val="tx1"/>
+          </a:fontRef>
+        </p:style>
+      </p:cxnSp>
+      <p:cxnSp>
+        <p:nvCxnSpPr>
+          <p:cNvPr id="44" name="Straight Connector 43"/>
+          <p:cNvCxnSpPr/>
+          <p:nvPr/>
+        </p:nvCxnSpPr>
+        <p:spPr>
+          <a:xfrm flipH="1" flipV="1">
+            <a:off x="5272740" y="2060848"/>
+            <a:ext cx="512517" cy="0"/>
+          </a:xfrm>
+          <a:prstGeom prst="line">
+            <a:avLst/>
+          </a:prstGeom>
+          <a:ln w="34925">
+            <a:solidFill>
+              <a:srgbClr val="FFFF00"/>
+            </a:solidFill>
+          </a:ln>
+        </p:spPr>
+        <p:style>
+          <a:lnRef idx="1">
+            <a:schemeClr val="accent1"/>
+          </a:lnRef>
+          <a:fillRef idx="0">
+            <a:schemeClr val="accent1"/>
+          </a:fillRef>
+          <a:effectRef idx="0">
+            <a:schemeClr val="accent1"/>
+          </a:effectRef>
+          <a:fontRef idx="minor">
+            <a:schemeClr val="tx1"/>
+          </a:fontRef>
+        </p:style>
+      </p:cxnSp>
+      <p:grpSp>
+        <p:nvGrpSpPr>
+          <p:cNvPr id="6" name="Группа 5"/>
+          <p:cNvGrpSpPr/>
+          <p:nvPr/>
+        </p:nvGrpSpPr>
+        <p:grpSpPr>
+          <a:xfrm>
+            <a:off x="2555776" y="2692506"/>
+            <a:ext cx="1620180" cy="2064208"/>
+            <a:chOff x="4067944" y="2395442"/>
+            <a:chExt cx="1620180" cy="2064208"/>
           </a:xfrm>
         </p:grpSpPr>
         <p:sp>
@@ -3181,7 +4130,7 @@
           </p:nvSpPr>
           <p:spPr>
             <a:xfrm>
-              <a:off x="4031940" y="2420888"/>
+              <a:off x="4067944" y="2416629"/>
               <a:ext cx="1620180" cy="2016224"/>
             </a:xfrm>
             <a:prstGeom prst="roundRect">
@@ -3221,213 +4170,6 @@
             </a:p>
           </p:txBody>
         </p:sp>
-        <p:cxnSp>
-          <p:nvCxnSpPr>
-            <p:cNvPr id="12" name="Прямая соединительная линия 11"/>
-            <p:cNvCxnSpPr>
-              <a:cxnSpLocks noChangeAspect="1"/>
-            </p:cNvCxnSpPr>
-            <p:nvPr/>
-          </p:nvCxnSpPr>
-          <p:spPr>
-            <a:xfrm>
-              <a:off x="4265966" y="2852936"/>
-              <a:ext cx="1152128" cy="0"/>
-            </a:xfrm>
-            <a:prstGeom prst="line">
-              <a:avLst/>
-            </a:prstGeom>
-            <a:ln w="25400">
-              <a:solidFill>
-                <a:srgbClr val="ACB6DE"/>
-              </a:solidFill>
-            </a:ln>
-          </p:spPr>
-          <p:style>
-            <a:lnRef idx="1">
-              <a:schemeClr val="accent1"/>
-            </a:lnRef>
-            <a:fillRef idx="0">
-              <a:schemeClr val="accent1"/>
-            </a:fillRef>
-            <a:effectRef idx="0">
-              <a:schemeClr val="accent1"/>
-            </a:effectRef>
-            <a:fontRef idx="minor">
-              <a:schemeClr val="tx1"/>
-            </a:fontRef>
-          </p:style>
-        </p:cxnSp>
-        <p:cxnSp>
-          <p:nvCxnSpPr>
-            <p:cNvPr id="14" name="Прямая соединительная линия 13"/>
-            <p:cNvCxnSpPr>
-              <a:cxnSpLocks noChangeAspect="1"/>
-            </p:cNvCxnSpPr>
-            <p:nvPr/>
-          </p:nvCxnSpPr>
-          <p:spPr>
-            <a:xfrm>
-              <a:off x="4265966" y="3140968"/>
-              <a:ext cx="1152128" cy="0"/>
-            </a:xfrm>
-            <a:prstGeom prst="line">
-              <a:avLst/>
-            </a:prstGeom>
-            <a:ln w="25400">
-              <a:solidFill>
-                <a:srgbClr val="ACB6DE"/>
-              </a:solidFill>
-            </a:ln>
-          </p:spPr>
-          <p:style>
-            <a:lnRef idx="1">
-              <a:schemeClr val="accent1"/>
-            </a:lnRef>
-            <a:fillRef idx="0">
-              <a:schemeClr val="accent1"/>
-            </a:fillRef>
-            <a:effectRef idx="0">
-              <a:schemeClr val="accent1"/>
-            </a:effectRef>
-            <a:fontRef idx="minor">
-              <a:schemeClr val="tx1"/>
-            </a:fontRef>
-          </p:style>
-        </p:cxnSp>
-        <p:cxnSp>
-          <p:nvCxnSpPr>
-            <p:cNvPr id="15" name="Прямая соединительная линия 14"/>
-            <p:cNvCxnSpPr>
-              <a:cxnSpLocks noChangeAspect="1"/>
-            </p:cNvCxnSpPr>
-            <p:nvPr/>
-          </p:nvCxnSpPr>
-          <p:spPr>
-            <a:xfrm>
-              <a:off x="4265966" y="3429000"/>
-              <a:ext cx="1152128" cy="0"/>
-            </a:xfrm>
-            <a:prstGeom prst="line">
-              <a:avLst/>
-            </a:prstGeom>
-            <a:ln w="25400">
-              <a:solidFill>
-                <a:srgbClr val="ACB6DE"/>
-              </a:solidFill>
-            </a:ln>
-          </p:spPr>
-          <p:style>
-            <a:lnRef idx="1">
-              <a:schemeClr val="accent1"/>
-            </a:lnRef>
-            <a:fillRef idx="0">
-              <a:schemeClr val="accent1"/>
-            </a:fillRef>
-            <a:effectRef idx="0">
-              <a:schemeClr val="accent1"/>
-            </a:effectRef>
-            <a:fontRef idx="minor">
-              <a:schemeClr val="tx1"/>
-            </a:fontRef>
-          </p:style>
-        </p:cxnSp>
-        <p:sp>
-          <p:nvSpPr>
-            <p:cNvPr id="16" name="Прямоугольник 15"/>
-            <p:cNvSpPr>
-              <a:spLocks noChangeAspect="1"/>
-            </p:cNvSpPr>
-            <p:nvPr/>
-          </p:nvSpPr>
-          <p:spPr>
-            <a:xfrm>
-              <a:off x="4520526" y="3717032"/>
-              <a:ext cx="643007" cy="504056"/>
-            </a:xfrm>
-            <a:prstGeom prst="rect">
-              <a:avLst/>
-            </a:prstGeom>
-            <a:noFill/>
-            <a:ln w="28575">
-              <a:solidFill>
-                <a:srgbClr val="ACB6DE"/>
-              </a:solidFill>
-            </a:ln>
-          </p:spPr>
-          <p:style>
-            <a:lnRef idx="2">
-              <a:schemeClr val="accent1">
-                <a:shade val="50000"/>
-              </a:schemeClr>
-            </a:lnRef>
-            <a:fillRef idx="1">
-              <a:schemeClr val="accent1"/>
-            </a:fillRef>
-            <a:effectRef idx="0">
-              <a:schemeClr val="accent1"/>
-            </a:effectRef>
-            <a:fontRef idx="minor">
-              <a:schemeClr val="lt1"/>
-            </a:fontRef>
-          </p:style>
-          <p:txBody>
-            <a:bodyPr rtlCol="0" anchor="ctr"/>
-            <a:lstStyle/>
-            <a:p>
-              <a:pPr algn="ctr"/>
-              <a:endParaRPr lang="ru-RU"/>
-            </a:p>
-          </p:txBody>
-        </p:sp>
-        <p:sp>
-          <p:nvSpPr>
-            <p:cNvPr id="17" name="Прямоугольник 16"/>
-            <p:cNvSpPr>
-              <a:spLocks noChangeAspect="1"/>
-            </p:cNvSpPr>
-            <p:nvPr/>
-          </p:nvSpPr>
-          <p:spPr>
-            <a:xfrm>
-              <a:off x="4629150" y="3825044"/>
-              <a:ext cx="434751" cy="288032"/>
-            </a:xfrm>
-            <a:prstGeom prst="rect">
-              <a:avLst/>
-            </a:prstGeom>
-            <a:solidFill>
-              <a:srgbClr val="ACB6DE"/>
-            </a:solidFill>
-            <a:ln>
-              <a:noFill/>
-            </a:ln>
-          </p:spPr>
-          <p:style>
-            <a:lnRef idx="2">
-              <a:schemeClr val="accent1">
-                <a:shade val="50000"/>
-              </a:schemeClr>
-            </a:lnRef>
-            <a:fillRef idx="1">
-              <a:schemeClr val="accent1"/>
-            </a:fillRef>
-            <a:effectRef idx="0">
-              <a:schemeClr val="accent1"/>
-            </a:effectRef>
-            <a:fontRef idx="minor">
-              <a:schemeClr val="lt1"/>
-            </a:fontRef>
-          </p:style>
-          <p:txBody>
-            <a:bodyPr rtlCol="0" anchor="ctr"/>
-            <a:lstStyle/>
-            <a:p>
-              <a:pPr algn="ctr"/>
-              <a:endParaRPr lang="ru-RU"/>
-            </a:p>
-          </p:txBody>
-        </p:sp>
         <p:sp>
           <p:nvSpPr>
             <p:cNvPr id="10" name="Полилиния 9"/>
@@ -3438,8 +4180,8 @@
           </p:nvSpPr>
           <p:spPr>
             <a:xfrm>
-              <a:off x="4593771" y="2416629"/>
-              <a:ext cx="326572" cy="2024742"/>
+              <a:off x="4626056" y="2395442"/>
+              <a:ext cx="338226" cy="2064208"/>
             </a:xfrm>
             <a:custGeom>
               <a:avLst/>
@@ -3452,6 +4194,166 @@
                 <a:gd name="connsiteY2" fmla="*/ 1360714 h 2024742"/>
                 <a:gd name="connsiteX3" fmla="*/ 326572 w 326572"/>
                 <a:gd name="connsiteY3" fmla="*/ 2024742 h 2024742"/>
+                <a:gd name="connsiteX0" fmla="*/ 0 w 326572"/>
+                <a:gd name="connsiteY0" fmla="*/ 0 h 2024742"/>
+                <a:gd name="connsiteX1" fmla="*/ 293915 w 326572"/>
+                <a:gd name="connsiteY1" fmla="*/ 653142 h 2024742"/>
+                <a:gd name="connsiteX2" fmla="*/ 112380 w 326572"/>
+                <a:gd name="connsiteY2" fmla="*/ 1360714 h 2024742"/>
+                <a:gd name="connsiteX3" fmla="*/ 326572 w 326572"/>
+                <a:gd name="connsiteY3" fmla="*/ 2024742 h 2024742"/>
+                <a:gd name="connsiteX0" fmla="*/ 0 w 326572"/>
+                <a:gd name="connsiteY0" fmla="*/ 0 h 2024742"/>
+                <a:gd name="connsiteX1" fmla="*/ 246851 w 326572"/>
+                <a:gd name="connsiteY1" fmla="*/ 639695 h 2024742"/>
+                <a:gd name="connsiteX2" fmla="*/ 112380 w 326572"/>
+                <a:gd name="connsiteY2" fmla="*/ 1360714 h 2024742"/>
+                <a:gd name="connsiteX3" fmla="*/ 326572 w 326572"/>
+                <a:gd name="connsiteY3" fmla="*/ 2024742 h 2024742"/>
+                <a:gd name="connsiteX0" fmla="*/ 0 w 326572"/>
+                <a:gd name="connsiteY0" fmla="*/ 0 h 2024742"/>
+                <a:gd name="connsiteX1" fmla="*/ 240411 w 326572"/>
+                <a:gd name="connsiteY1" fmla="*/ 755605 h 2024742"/>
+                <a:gd name="connsiteX2" fmla="*/ 112380 w 326572"/>
+                <a:gd name="connsiteY2" fmla="*/ 1360714 h 2024742"/>
+                <a:gd name="connsiteX3" fmla="*/ 326572 w 326572"/>
+                <a:gd name="connsiteY3" fmla="*/ 2024742 h 2024742"/>
+                <a:gd name="connsiteX0" fmla="*/ 0 w 326572"/>
+                <a:gd name="connsiteY0" fmla="*/ 0 h 2024742"/>
+                <a:gd name="connsiteX1" fmla="*/ 240411 w 326572"/>
+                <a:gd name="connsiteY1" fmla="*/ 755605 h 2024742"/>
+                <a:gd name="connsiteX2" fmla="*/ 28668 w 326572"/>
+                <a:gd name="connsiteY2" fmla="*/ 1367154 h 2024742"/>
+                <a:gd name="connsiteX3" fmla="*/ 326572 w 326572"/>
+                <a:gd name="connsiteY3" fmla="*/ 2024742 h 2024742"/>
+                <a:gd name="connsiteX0" fmla="*/ 0 w 326572"/>
+                <a:gd name="connsiteY0" fmla="*/ 0 h 2024742"/>
+                <a:gd name="connsiteX1" fmla="*/ 240411 w 326572"/>
+                <a:gd name="connsiteY1" fmla="*/ 665453 h 2024742"/>
+                <a:gd name="connsiteX2" fmla="*/ 28668 w 326572"/>
+                <a:gd name="connsiteY2" fmla="*/ 1367154 h 2024742"/>
+                <a:gd name="connsiteX3" fmla="*/ 326572 w 326572"/>
+                <a:gd name="connsiteY3" fmla="*/ 2024742 h 2024742"/>
+                <a:gd name="connsiteX0" fmla="*/ 0 w 275057"/>
+                <a:gd name="connsiteY0" fmla="*/ 0 h 2005424"/>
+                <a:gd name="connsiteX1" fmla="*/ 240411 w 275057"/>
+                <a:gd name="connsiteY1" fmla="*/ 665453 h 2005424"/>
+                <a:gd name="connsiteX2" fmla="*/ 28668 w 275057"/>
+                <a:gd name="connsiteY2" fmla="*/ 1367154 h 2005424"/>
+                <a:gd name="connsiteX3" fmla="*/ 275057 w 275057"/>
+                <a:gd name="connsiteY3" fmla="*/ 2005424 h 2005424"/>
+                <a:gd name="connsiteX0" fmla="*/ 0 w 275057"/>
+                <a:gd name="connsiteY0" fmla="*/ 0 h 2005424"/>
+                <a:gd name="connsiteX1" fmla="*/ 240411 w 275057"/>
+                <a:gd name="connsiteY1" fmla="*/ 665453 h 2005424"/>
+                <a:gd name="connsiteX2" fmla="*/ 28668 w 275057"/>
+                <a:gd name="connsiteY2" fmla="*/ 1328518 h 2005424"/>
+                <a:gd name="connsiteX3" fmla="*/ 275057 w 275057"/>
+                <a:gd name="connsiteY3" fmla="*/ 2005424 h 2005424"/>
+                <a:gd name="connsiteX0" fmla="*/ 0 w 287935"/>
+                <a:gd name="connsiteY0" fmla="*/ 0 h 2005424"/>
+                <a:gd name="connsiteX1" fmla="*/ 253289 w 287935"/>
+                <a:gd name="connsiteY1" fmla="*/ 665453 h 2005424"/>
+                <a:gd name="connsiteX2" fmla="*/ 41546 w 287935"/>
+                <a:gd name="connsiteY2" fmla="*/ 1328518 h 2005424"/>
+                <a:gd name="connsiteX3" fmla="*/ 287935 w 287935"/>
+                <a:gd name="connsiteY3" fmla="*/ 2005424 h 2005424"/>
+                <a:gd name="connsiteX0" fmla="*/ 0 w 253289"/>
+                <a:gd name="connsiteY0" fmla="*/ 0 h 2018303"/>
+                <a:gd name="connsiteX1" fmla="*/ 253289 w 253289"/>
+                <a:gd name="connsiteY1" fmla="*/ 665453 h 2018303"/>
+                <a:gd name="connsiteX2" fmla="*/ 41546 w 253289"/>
+                <a:gd name="connsiteY2" fmla="*/ 1328518 h 2018303"/>
+                <a:gd name="connsiteX3" fmla="*/ 249299 w 253289"/>
+                <a:gd name="connsiteY3" fmla="*/ 2018303 h 2018303"/>
+                <a:gd name="connsiteX0" fmla="*/ 0 w 227531"/>
+                <a:gd name="connsiteY0" fmla="*/ 0 h 2037621"/>
+                <a:gd name="connsiteX1" fmla="*/ 227531 w 227531"/>
+                <a:gd name="connsiteY1" fmla="*/ 684771 h 2037621"/>
+                <a:gd name="connsiteX2" fmla="*/ 15788 w 227531"/>
+                <a:gd name="connsiteY2" fmla="*/ 1347836 h 2037621"/>
+                <a:gd name="connsiteX3" fmla="*/ 223541 w 227531"/>
+                <a:gd name="connsiteY3" fmla="*/ 2037621 h 2037621"/>
+                <a:gd name="connsiteX0" fmla="*/ 0 w 242859"/>
+                <a:gd name="connsiteY0" fmla="*/ 0 h 2069818"/>
+                <a:gd name="connsiteX1" fmla="*/ 227531 w 242859"/>
+                <a:gd name="connsiteY1" fmla="*/ 684771 h 2069818"/>
+                <a:gd name="connsiteX2" fmla="*/ 15788 w 242859"/>
+                <a:gd name="connsiteY2" fmla="*/ 1347836 h 2069818"/>
+                <a:gd name="connsiteX3" fmla="*/ 242859 w 242859"/>
+                <a:gd name="connsiteY3" fmla="*/ 2069818 h 2069818"/>
+                <a:gd name="connsiteX0" fmla="*/ 0 w 242859"/>
+                <a:gd name="connsiteY0" fmla="*/ 0 h 2069818"/>
+                <a:gd name="connsiteX1" fmla="*/ 227531 w 242859"/>
+                <a:gd name="connsiteY1" fmla="*/ 684771 h 2069818"/>
+                <a:gd name="connsiteX2" fmla="*/ 22228 w 242859"/>
+                <a:gd name="connsiteY2" fmla="*/ 1354276 h 2069818"/>
+                <a:gd name="connsiteX3" fmla="*/ 242859 w 242859"/>
+                <a:gd name="connsiteY3" fmla="*/ 2069818 h 2069818"/>
+                <a:gd name="connsiteX0" fmla="*/ 0 w 242859"/>
+                <a:gd name="connsiteY0" fmla="*/ 0 h 2069818"/>
+                <a:gd name="connsiteX1" fmla="*/ 227531 w 242859"/>
+                <a:gd name="connsiteY1" fmla="*/ 684771 h 2069818"/>
+                <a:gd name="connsiteX2" fmla="*/ 15788 w 242859"/>
+                <a:gd name="connsiteY2" fmla="*/ 1334958 h 2069818"/>
+                <a:gd name="connsiteX3" fmla="*/ 242859 w 242859"/>
+                <a:gd name="connsiteY3" fmla="*/ 2069818 h 2069818"/>
+                <a:gd name="connsiteX0" fmla="*/ 0 w 242859"/>
+                <a:gd name="connsiteY0" fmla="*/ 0 h 2069818"/>
+                <a:gd name="connsiteX1" fmla="*/ 233970 w 242859"/>
+                <a:gd name="connsiteY1" fmla="*/ 678331 h 2069818"/>
+                <a:gd name="connsiteX2" fmla="*/ 15788 w 242859"/>
+                <a:gd name="connsiteY2" fmla="*/ 1334958 h 2069818"/>
+                <a:gd name="connsiteX3" fmla="*/ 242859 w 242859"/>
+                <a:gd name="connsiteY3" fmla="*/ 2069818 h 2069818"/>
+                <a:gd name="connsiteX0" fmla="*/ 0 w 242859"/>
+                <a:gd name="connsiteY0" fmla="*/ 0 h 2069818"/>
+                <a:gd name="connsiteX1" fmla="*/ 233970 w 242859"/>
+                <a:gd name="connsiteY1" fmla="*/ 678331 h 2069818"/>
+                <a:gd name="connsiteX2" fmla="*/ 15788 w 242859"/>
+                <a:gd name="connsiteY2" fmla="*/ 1373595 h 2069818"/>
+                <a:gd name="connsiteX3" fmla="*/ 242859 w 242859"/>
+                <a:gd name="connsiteY3" fmla="*/ 2069818 h 2069818"/>
+                <a:gd name="connsiteX0" fmla="*/ 0 w 242859"/>
+                <a:gd name="connsiteY0" fmla="*/ 0 h 2069818"/>
+                <a:gd name="connsiteX1" fmla="*/ 233970 w 242859"/>
+                <a:gd name="connsiteY1" fmla="*/ 678331 h 2069818"/>
+                <a:gd name="connsiteX2" fmla="*/ 15788 w 242859"/>
+                <a:gd name="connsiteY2" fmla="*/ 1367155 h 2069818"/>
+                <a:gd name="connsiteX3" fmla="*/ 242859 w 242859"/>
+                <a:gd name="connsiteY3" fmla="*/ 2069818 h 2069818"/>
+                <a:gd name="connsiteX0" fmla="*/ 0 w 293347"/>
+                <a:gd name="connsiteY0" fmla="*/ 0 h 2064208"/>
+                <a:gd name="connsiteX1" fmla="*/ 284458 w 293347"/>
+                <a:gd name="connsiteY1" fmla="*/ 672721 h 2064208"/>
+                <a:gd name="connsiteX2" fmla="*/ 66276 w 293347"/>
+                <a:gd name="connsiteY2" fmla="*/ 1361545 h 2064208"/>
+                <a:gd name="connsiteX3" fmla="*/ 293347 w 293347"/>
+                <a:gd name="connsiteY3" fmla="*/ 2064208 h 2064208"/>
+                <a:gd name="connsiteX0" fmla="*/ 0 w 338226"/>
+                <a:gd name="connsiteY0" fmla="*/ 0 h 2064208"/>
+                <a:gd name="connsiteX1" fmla="*/ 284458 w 338226"/>
+                <a:gd name="connsiteY1" fmla="*/ 672721 h 2064208"/>
+                <a:gd name="connsiteX2" fmla="*/ 66276 w 338226"/>
+                <a:gd name="connsiteY2" fmla="*/ 1361545 h 2064208"/>
+                <a:gd name="connsiteX3" fmla="*/ 338226 w 338226"/>
+                <a:gd name="connsiteY3" fmla="*/ 2064208 h 2064208"/>
+                <a:gd name="connsiteX0" fmla="*/ 0 w 338226"/>
+                <a:gd name="connsiteY0" fmla="*/ 0 h 2064208"/>
+                <a:gd name="connsiteX1" fmla="*/ 284458 w 338226"/>
+                <a:gd name="connsiteY1" fmla="*/ 672721 h 2064208"/>
+                <a:gd name="connsiteX2" fmla="*/ 83106 w 338226"/>
+                <a:gd name="connsiteY2" fmla="*/ 1361545 h 2064208"/>
+                <a:gd name="connsiteX3" fmla="*/ 338226 w 338226"/>
+                <a:gd name="connsiteY3" fmla="*/ 2064208 h 2064208"/>
+                <a:gd name="connsiteX0" fmla="*/ 0 w 338226"/>
+                <a:gd name="connsiteY0" fmla="*/ 0 h 2064208"/>
+                <a:gd name="connsiteX1" fmla="*/ 267629 w 338226"/>
+                <a:gd name="connsiteY1" fmla="*/ 672721 h 2064208"/>
+                <a:gd name="connsiteX2" fmla="*/ 83106 w 338226"/>
+                <a:gd name="connsiteY2" fmla="*/ 1361545 h 2064208"/>
+                <a:gd name="connsiteX3" fmla="*/ 338226 w 338226"/>
+                <a:gd name="connsiteY3" fmla="*/ 2064208 h 2064208"/>
               </a:gdLst>
               <a:ahLst/>
               <a:cxnLst>
@@ -3470,19 +4372,21 @@
               </a:cxnLst>
               <a:rect l="l" t="t" r="r" b="b"/>
               <a:pathLst>
-                <a:path w="326572" h="2024742">
+                <a:path w="338226" h="2064208">
                   <a:moveTo>
                     <a:pt x="0" y="0"/>
                   </a:moveTo>
                   <a:lnTo>
-                    <a:pt x="293915" y="653142"/>
+                    <a:pt x="267629" y="672721"/>
                   </a:lnTo>
                   <a:lnTo>
-                    <a:pt x="65315" y="1360714"/>
+                    <a:pt x="83106" y="1361545"/>
                   </a:lnTo>
-                  <a:lnTo>
-                    <a:pt x="326572" y="2024742"/>
-                  </a:lnTo>
+                  <a:cubicBezTo>
+                    <a:pt x="170192" y="1582888"/>
+                    <a:pt x="251140" y="1842865"/>
+                    <a:pt x="338226" y="2064208"/>
+                  </a:cubicBezTo>
                 </a:path>
               </a:pathLst>
             </a:custGeom>
@@ -3520,7 +4424,7 @@
         </p:sp>
         <p:sp>
           <p:nvSpPr>
-            <p:cNvPr id="11" name="Полилиния 9"/>
+            <p:cNvPr id="48" name="Полилиния 9"/>
             <p:cNvSpPr>
               <a:spLocks noChangeAspect="1"/>
             </p:cNvSpPr>
@@ -3528,8 +4432,8 @@
           </p:nvSpPr>
           <p:spPr>
             <a:xfrm>
-              <a:off x="4774599" y="2416629"/>
-              <a:ext cx="326572" cy="2024742"/>
+              <a:off x="4795200" y="2395442"/>
+              <a:ext cx="338226" cy="2064208"/>
             </a:xfrm>
             <a:custGeom>
               <a:avLst/>
@@ -3542,6 +4446,166 @@
                 <a:gd name="connsiteY2" fmla="*/ 1360714 h 2024742"/>
                 <a:gd name="connsiteX3" fmla="*/ 326572 w 326572"/>
                 <a:gd name="connsiteY3" fmla="*/ 2024742 h 2024742"/>
+                <a:gd name="connsiteX0" fmla="*/ 0 w 326572"/>
+                <a:gd name="connsiteY0" fmla="*/ 0 h 2024742"/>
+                <a:gd name="connsiteX1" fmla="*/ 293915 w 326572"/>
+                <a:gd name="connsiteY1" fmla="*/ 653142 h 2024742"/>
+                <a:gd name="connsiteX2" fmla="*/ 112380 w 326572"/>
+                <a:gd name="connsiteY2" fmla="*/ 1360714 h 2024742"/>
+                <a:gd name="connsiteX3" fmla="*/ 326572 w 326572"/>
+                <a:gd name="connsiteY3" fmla="*/ 2024742 h 2024742"/>
+                <a:gd name="connsiteX0" fmla="*/ 0 w 326572"/>
+                <a:gd name="connsiteY0" fmla="*/ 0 h 2024742"/>
+                <a:gd name="connsiteX1" fmla="*/ 246851 w 326572"/>
+                <a:gd name="connsiteY1" fmla="*/ 639695 h 2024742"/>
+                <a:gd name="connsiteX2" fmla="*/ 112380 w 326572"/>
+                <a:gd name="connsiteY2" fmla="*/ 1360714 h 2024742"/>
+                <a:gd name="connsiteX3" fmla="*/ 326572 w 326572"/>
+                <a:gd name="connsiteY3" fmla="*/ 2024742 h 2024742"/>
+                <a:gd name="connsiteX0" fmla="*/ 0 w 326572"/>
+                <a:gd name="connsiteY0" fmla="*/ 0 h 2024742"/>
+                <a:gd name="connsiteX1" fmla="*/ 240411 w 326572"/>
+                <a:gd name="connsiteY1" fmla="*/ 755605 h 2024742"/>
+                <a:gd name="connsiteX2" fmla="*/ 112380 w 326572"/>
+                <a:gd name="connsiteY2" fmla="*/ 1360714 h 2024742"/>
+                <a:gd name="connsiteX3" fmla="*/ 326572 w 326572"/>
+                <a:gd name="connsiteY3" fmla="*/ 2024742 h 2024742"/>
+                <a:gd name="connsiteX0" fmla="*/ 0 w 326572"/>
+                <a:gd name="connsiteY0" fmla="*/ 0 h 2024742"/>
+                <a:gd name="connsiteX1" fmla="*/ 240411 w 326572"/>
+                <a:gd name="connsiteY1" fmla="*/ 755605 h 2024742"/>
+                <a:gd name="connsiteX2" fmla="*/ 28668 w 326572"/>
+                <a:gd name="connsiteY2" fmla="*/ 1367154 h 2024742"/>
+                <a:gd name="connsiteX3" fmla="*/ 326572 w 326572"/>
+                <a:gd name="connsiteY3" fmla="*/ 2024742 h 2024742"/>
+                <a:gd name="connsiteX0" fmla="*/ 0 w 326572"/>
+                <a:gd name="connsiteY0" fmla="*/ 0 h 2024742"/>
+                <a:gd name="connsiteX1" fmla="*/ 240411 w 326572"/>
+                <a:gd name="connsiteY1" fmla="*/ 665453 h 2024742"/>
+                <a:gd name="connsiteX2" fmla="*/ 28668 w 326572"/>
+                <a:gd name="connsiteY2" fmla="*/ 1367154 h 2024742"/>
+                <a:gd name="connsiteX3" fmla="*/ 326572 w 326572"/>
+                <a:gd name="connsiteY3" fmla="*/ 2024742 h 2024742"/>
+                <a:gd name="connsiteX0" fmla="*/ 0 w 275057"/>
+                <a:gd name="connsiteY0" fmla="*/ 0 h 2005424"/>
+                <a:gd name="connsiteX1" fmla="*/ 240411 w 275057"/>
+                <a:gd name="connsiteY1" fmla="*/ 665453 h 2005424"/>
+                <a:gd name="connsiteX2" fmla="*/ 28668 w 275057"/>
+                <a:gd name="connsiteY2" fmla="*/ 1367154 h 2005424"/>
+                <a:gd name="connsiteX3" fmla="*/ 275057 w 275057"/>
+                <a:gd name="connsiteY3" fmla="*/ 2005424 h 2005424"/>
+                <a:gd name="connsiteX0" fmla="*/ 0 w 275057"/>
+                <a:gd name="connsiteY0" fmla="*/ 0 h 2005424"/>
+                <a:gd name="connsiteX1" fmla="*/ 240411 w 275057"/>
+                <a:gd name="connsiteY1" fmla="*/ 665453 h 2005424"/>
+                <a:gd name="connsiteX2" fmla="*/ 28668 w 275057"/>
+                <a:gd name="connsiteY2" fmla="*/ 1328518 h 2005424"/>
+                <a:gd name="connsiteX3" fmla="*/ 275057 w 275057"/>
+                <a:gd name="connsiteY3" fmla="*/ 2005424 h 2005424"/>
+                <a:gd name="connsiteX0" fmla="*/ 0 w 287935"/>
+                <a:gd name="connsiteY0" fmla="*/ 0 h 2005424"/>
+                <a:gd name="connsiteX1" fmla="*/ 253289 w 287935"/>
+                <a:gd name="connsiteY1" fmla="*/ 665453 h 2005424"/>
+                <a:gd name="connsiteX2" fmla="*/ 41546 w 287935"/>
+                <a:gd name="connsiteY2" fmla="*/ 1328518 h 2005424"/>
+                <a:gd name="connsiteX3" fmla="*/ 287935 w 287935"/>
+                <a:gd name="connsiteY3" fmla="*/ 2005424 h 2005424"/>
+                <a:gd name="connsiteX0" fmla="*/ 0 w 253289"/>
+                <a:gd name="connsiteY0" fmla="*/ 0 h 2018303"/>
+                <a:gd name="connsiteX1" fmla="*/ 253289 w 253289"/>
+                <a:gd name="connsiteY1" fmla="*/ 665453 h 2018303"/>
+                <a:gd name="connsiteX2" fmla="*/ 41546 w 253289"/>
+                <a:gd name="connsiteY2" fmla="*/ 1328518 h 2018303"/>
+                <a:gd name="connsiteX3" fmla="*/ 249299 w 253289"/>
+                <a:gd name="connsiteY3" fmla="*/ 2018303 h 2018303"/>
+                <a:gd name="connsiteX0" fmla="*/ 0 w 227531"/>
+                <a:gd name="connsiteY0" fmla="*/ 0 h 2037621"/>
+                <a:gd name="connsiteX1" fmla="*/ 227531 w 227531"/>
+                <a:gd name="connsiteY1" fmla="*/ 684771 h 2037621"/>
+                <a:gd name="connsiteX2" fmla="*/ 15788 w 227531"/>
+                <a:gd name="connsiteY2" fmla="*/ 1347836 h 2037621"/>
+                <a:gd name="connsiteX3" fmla="*/ 223541 w 227531"/>
+                <a:gd name="connsiteY3" fmla="*/ 2037621 h 2037621"/>
+                <a:gd name="connsiteX0" fmla="*/ 0 w 242859"/>
+                <a:gd name="connsiteY0" fmla="*/ 0 h 2069818"/>
+                <a:gd name="connsiteX1" fmla="*/ 227531 w 242859"/>
+                <a:gd name="connsiteY1" fmla="*/ 684771 h 2069818"/>
+                <a:gd name="connsiteX2" fmla="*/ 15788 w 242859"/>
+                <a:gd name="connsiteY2" fmla="*/ 1347836 h 2069818"/>
+                <a:gd name="connsiteX3" fmla="*/ 242859 w 242859"/>
+                <a:gd name="connsiteY3" fmla="*/ 2069818 h 2069818"/>
+                <a:gd name="connsiteX0" fmla="*/ 0 w 242859"/>
+                <a:gd name="connsiteY0" fmla="*/ 0 h 2069818"/>
+                <a:gd name="connsiteX1" fmla="*/ 227531 w 242859"/>
+                <a:gd name="connsiteY1" fmla="*/ 684771 h 2069818"/>
+                <a:gd name="connsiteX2" fmla="*/ 22228 w 242859"/>
+                <a:gd name="connsiteY2" fmla="*/ 1354276 h 2069818"/>
+                <a:gd name="connsiteX3" fmla="*/ 242859 w 242859"/>
+                <a:gd name="connsiteY3" fmla="*/ 2069818 h 2069818"/>
+                <a:gd name="connsiteX0" fmla="*/ 0 w 242859"/>
+                <a:gd name="connsiteY0" fmla="*/ 0 h 2069818"/>
+                <a:gd name="connsiteX1" fmla="*/ 227531 w 242859"/>
+                <a:gd name="connsiteY1" fmla="*/ 684771 h 2069818"/>
+                <a:gd name="connsiteX2" fmla="*/ 15788 w 242859"/>
+                <a:gd name="connsiteY2" fmla="*/ 1334958 h 2069818"/>
+                <a:gd name="connsiteX3" fmla="*/ 242859 w 242859"/>
+                <a:gd name="connsiteY3" fmla="*/ 2069818 h 2069818"/>
+                <a:gd name="connsiteX0" fmla="*/ 0 w 242859"/>
+                <a:gd name="connsiteY0" fmla="*/ 0 h 2069818"/>
+                <a:gd name="connsiteX1" fmla="*/ 233970 w 242859"/>
+                <a:gd name="connsiteY1" fmla="*/ 678331 h 2069818"/>
+                <a:gd name="connsiteX2" fmla="*/ 15788 w 242859"/>
+                <a:gd name="connsiteY2" fmla="*/ 1334958 h 2069818"/>
+                <a:gd name="connsiteX3" fmla="*/ 242859 w 242859"/>
+                <a:gd name="connsiteY3" fmla="*/ 2069818 h 2069818"/>
+                <a:gd name="connsiteX0" fmla="*/ 0 w 242859"/>
+                <a:gd name="connsiteY0" fmla="*/ 0 h 2069818"/>
+                <a:gd name="connsiteX1" fmla="*/ 233970 w 242859"/>
+                <a:gd name="connsiteY1" fmla="*/ 678331 h 2069818"/>
+                <a:gd name="connsiteX2" fmla="*/ 15788 w 242859"/>
+                <a:gd name="connsiteY2" fmla="*/ 1373595 h 2069818"/>
+                <a:gd name="connsiteX3" fmla="*/ 242859 w 242859"/>
+                <a:gd name="connsiteY3" fmla="*/ 2069818 h 2069818"/>
+                <a:gd name="connsiteX0" fmla="*/ 0 w 242859"/>
+                <a:gd name="connsiteY0" fmla="*/ 0 h 2069818"/>
+                <a:gd name="connsiteX1" fmla="*/ 233970 w 242859"/>
+                <a:gd name="connsiteY1" fmla="*/ 678331 h 2069818"/>
+                <a:gd name="connsiteX2" fmla="*/ 15788 w 242859"/>
+                <a:gd name="connsiteY2" fmla="*/ 1367155 h 2069818"/>
+                <a:gd name="connsiteX3" fmla="*/ 242859 w 242859"/>
+                <a:gd name="connsiteY3" fmla="*/ 2069818 h 2069818"/>
+                <a:gd name="connsiteX0" fmla="*/ 0 w 293347"/>
+                <a:gd name="connsiteY0" fmla="*/ 0 h 2064208"/>
+                <a:gd name="connsiteX1" fmla="*/ 284458 w 293347"/>
+                <a:gd name="connsiteY1" fmla="*/ 672721 h 2064208"/>
+                <a:gd name="connsiteX2" fmla="*/ 66276 w 293347"/>
+                <a:gd name="connsiteY2" fmla="*/ 1361545 h 2064208"/>
+                <a:gd name="connsiteX3" fmla="*/ 293347 w 293347"/>
+                <a:gd name="connsiteY3" fmla="*/ 2064208 h 2064208"/>
+                <a:gd name="connsiteX0" fmla="*/ 0 w 338226"/>
+                <a:gd name="connsiteY0" fmla="*/ 0 h 2064208"/>
+                <a:gd name="connsiteX1" fmla="*/ 284458 w 338226"/>
+                <a:gd name="connsiteY1" fmla="*/ 672721 h 2064208"/>
+                <a:gd name="connsiteX2" fmla="*/ 66276 w 338226"/>
+                <a:gd name="connsiteY2" fmla="*/ 1361545 h 2064208"/>
+                <a:gd name="connsiteX3" fmla="*/ 338226 w 338226"/>
+                <a:gd name="connsiteY3" fmla="*/ 2064208 h 2064208"/>
+                <a:gd name="connsiteX0" fmla="*/ 0 w 338226"/>
+                <a:gd name="connsiteY0" fmla="*/ 0 h 2064208"/>
+                <a:gd name="connsiteX1" fmla="*/ 284458 w 338226"/>
+                <a:gd name="connsiteY1" fmla="*/ 672721 h 2064208"/>
+                <a:gd name="connsiteX2" fmla="*/ 83106 w 338226"/>
+                <a:gd name="connsiteY2" fmla="*/ 1361545 h 2064208"/>
+                <a:gd name="connsiteX3" fmla="*/ 338226 w 338226"/>
+                <a:gd name="connsiteY3" fmla="*/ 2064208 h 2064208"/>
+                <a:gd name="connsiteX0" fmla="*/ 0 w 338226"/>
+                <a:gd name="connsiteY0" fmla="*/ 0 h 2064208"/>
+                <a:gd name="connsiteX1" fmla="*/ 267629 w 338226"/>
+                <a:gd name="connsiteY1" fmla="*/ 672721 h 2064208"/>
+                <a:gd name="connsiteX2" fmla="*/ 83106 w 338226"/>
+                <a:gd name="connsiteY2" fmla="*/ 1361545 h 2064208"/>
+                <a:gd name="connsiteX3" fmla="*/ 338226 w 338226"/>
+                <a:gd name="connsiteY3" fmla="*/ 2064208 h 2064208"/>
               </a:gdLst>
               <a:ahLst/>
               <a:cxnLst>
@@ -3560,19 +4624,21 @@
               </a:cxnLst>
               <a:rect l="l" t="t" r="r" b="b"/>
               <a:pathLst>
-                <a:path w="326572" h="2024742">
+                <a:path w="338226" h="2064208">
                   <a:moveTo>
                     <a:pt x="0" y="0"/>
                   </a:moveTo>
                   <a:lnTo>
-                    <a:pt x="293915" y="653142"/>
+                    <a:pt x="267629" y="672721"/>
                   </a:lnTo>
                   <a:lnTo>
-                    <a:pt x="65315" y="1360714"/>
+                    <a:pt x="83106" y="1361545"/>
                   </a:lnTo>
-                  <a:lnTo>
-                    <a:pt x="326572" y="2024742"/>
-                  </a:lnTo>
+                  <a:cubicBezTo>
+                    <a:pt x="170192" y="1582888"/>
+                    <a:pt x="251140" y="1842865"/>
+                    <a:pt x="338226" y="2064208"/>
+                  </a:cubicBezTo>
                 </a:path>
               </a:pathLst>
             </a:custGeom>
@@ -3613,6 +4679,145 @@
     <p:extLst>
       <p:ext uri="{BB962C8B-B14F-4D97-AF65-F5344CB8AC3E}">
         <p14:creationId xmlns:p14="http://schemas.microsoft.com/office/powerpoint/2010/main" val="2861383042"/>
+      </p:ext>
+    </p:extLst>
+  </p:cSld>
+  <p:clrMapOvr>
+    <a:masterClrMapping/>
+  </p:clrMapOvr>
+  <p:timing>
+    <p:tnLst>
+      <p:par>
+        <p:cTn id="1" dur="indefinite" restart="never" nodeType="tmRoot"/>
+      </p:par>
+    </p:tnLst>
+  </p:timing>
+</p:sld>
+</file>
+
+<file path=ppt/slides/slide2.xml><?xml version="1.0" encoding="utf-8"?>
+<p:sld xmlns:a="http://schemas.openxmlformats.org/drawingml/2006/main" xmlns:r="http://schemas.openxmlformats.org/officeDocument/2006/relationships" xmlns:p="http://schemas.openxmlformats.org/presentationml/2006/main">
+  <p:cSld>
+    <p:spTree>
+      <p:nvGrpSpPr>
+        <p:cNvPr id="1" name=""/>
+        <p:cNvGrpSpPr/>
+        <p:nvPr/>
+      </p:nvGrpSpPr>
+      <p:grpSpPr>
+        <a:xfrm>
+          <a:off x="0" y="0"/>
+          <a:ext cx="0" cy="0"/>
+          <a:chOff x="0" y="0"/>
+          <a:chExt cx="0" cy="0"/>
+        </a:xfrm>
+      </p:grpSpPr>
+      <p:grpSp>
+        <p:nvGrpSpPr>
+          <p:cNvPr id="6" name="Group 5"/>
+          <p:cNvGrpSpPr>
+            <a:grpSpLocks noChangeAspect="1"/>
+          </p:cNvGrpSpPr>
+          <p:nvPr/>
+        </p:nvGrpSpPr>
+        <p:grpSpPr>
+          <a:xfrm>
+            <a:off x="1944000" y="-1683568"/>
+            <a:ext cx="7200000" cy="7200000"/>
+            <a:chOff x="2721600" y="1533906"/>
+            <a:chExt cx="3600000" cy="3600000"/>
+          </a:xfrm>
+        </p:grpSpPr>
+        <p:sp>
+          <p:nvSpPr>
+            <p:cNvPr id="4" name="Прямоугольник 3"/>
+            <p:cNvSpPr/>
+            <p:nvPr/>
+          </p:nvSpPr>
+          <p:spPr>
+            <a:xfrm>
+              <a:off x="2721600" y="1533906"/>
+              <a:ext cx="3600000" cy="3600000"/>
+            </a:xfrm>
+            <a:prstGeom prst="rect">
+              <a:avLst/>
+            </a:prstGeom>
+            <a:gradFill flip="none" rotWithShape="1">
+              <a:gsLst>
+                <a:gs pos="0">
+                  <a:srgbClr val="778BCE"/>
+                </a:gs>
+                <a:gs pos="84000">
+                  <a:srgbClr val="324379"/>
+                </a:gs>
+              </a:gsLst>
+              <a:lin ang="7200000" scaled="0"/>
+              <a:tileRect/>
+            </a:gradFill>
+            <a:ln>
+              <a:noFill/>
+            </a:ln>
+          </p:spPr>
+          <p:style>
+            <a:lnRef idx="2">
+              <a:schemeClr val="accent1">
+                <a:shade val="50000"/>
+              </a:schemeClr>
+            </a:lnRef>
+            <a:fillRef idx="1">
+              <a:schemeClr val="accent1"/>
+            </a:fillRef>
+            <a:effectRef idx="0">
+              <a:schemeClr val="accent1"/>
+            </a:effectRef>
+            <a:fontRef idx="minor">
+              <a:schemeClr val="lt1"/>
+            </a:fontRef>
+          </p:style>
+          <p:txBody>
+            <a:bodyPr rtlCol="0" anchor="ctr"/>
+            <a:lstStyle/>
+            <a:p>
+              <a:pPr algn="ctr"/>
+              <a:endParaRPr lang="ru-RU"/>
+            </a:p>
+          </p:txBody>
+        </p:sp>
+        <p:pic>
+          <p:nvPicPr>
+            <p:cNvPr id="5" name="Picture 4"/>
+            <p:cNvPicPr>
+              <a:picLocks noChangeAspect="1"/>
+            </p:cNvPicPr>
+            <p:nvPr/>
+          </p:nvPicPr>
+          <p:blipFill>
+            <a:blip r:embed="rId2">
+              <a:extLst>
+                <a:ext uri="{28A0092B-C50C-407E-A947-70E740481C1C}">
+                  <a14:useLocalDpi xmlns:a14="http://schemas.microsoft.com/office/drawing/2010/main" val="0"/>
+                </a:ext>
+              </a:extLst>
+            </a:blip>
+            <a:stretch>
+              <a:fillRect/>
+            </a:stretch>
+          </p:blipFill>
+          <p:spPr>
+            <a:xfrm>
+              <a:off x="3710832" y="2325018"/>
+              <a:ext cx="1621536" cy="2017776"/>
+            </a:xfrm>
+            <a:prstGeom prst="rect">
+              <a:avLst/>
+            </a:prstGeom>
+          </p:spPr>
+        </p:pic>
+      </p:grpSp>
+    </p:spTree>
+    <p:extLst>
+      <p:ext uri="{BB962C8B-B14F-4D97-AF65-F5344CB8AC3E}">
+        <p14:creationId xmlns:p14="http://schemas.microsoft.com/office/powerpoint/2010/main" val="1714636915"/>
       </p:ext>
     </p:extLst>
   </p:cSld>

--- a/pics/Launch screen.pptx
+++ b/pics/Launch screen.pptx
@@ -305,7 +305,7 @@
           <a:p>
             <a:fld id="{9FF34AC4-D8C8-472C-967E-C5204768A306}" type="datetimeFigureOut">
               <a:rPr lang="ru-RU" smtClean="0"/>
-              <a:t>16.10.2018</a:t>
+              <a:t>19.10.2018</a:t>
             </a:fld>
             <a:endParaRPr lang="ru-RU"/>
           </a:p>
@@ -475,7 +475,7 @@
           <a:p>
             <a:fld id="{9FF34AC4-D8C8-472C-967E-C5204768A306}" type="datetimeFigureOut">
               <a:rPr lang="ru-RU" smtClean="0"/>
-              <a:t>16.10.2018</a:t>
+              <a:t>19.10.2018</a:t>
             </a:fld>
             <a:endParaRPr lang="ru-RU"/>
           </a:p>
@@ -655,7 +655,7 @@
           <a:p>
             <a:fld id="{9FF34AC4-D8C8-472C-967E-C5204768A306}" type="datetimeFigureOut">
               <a:rPr lang="ru-RU" smtClean="0"/>
-              <a:t>16.10.2018</a:t>
+              <a:t>19.10.2018</a:t>
             </a:fld>
             <a:endParaRPr lang="ru-RU"/>
           </a:p>
@@ -825,7 +825,7 @@
           <a:p>
             <a:fld id="{9FF34AC4-D8C8-472C-967E-C5204768A306}" type="datetimeFigureOut">
               <a:rPr lang="ru-RU" smtClean="0"/>
-              <a:t>16.10.2018</a:t>
+              <a:t>19.10.2018</a:t>
             </a:fld>
             <a:endParaRPr lang="ru-RU"/>
           </a:p>
@@ -1071,7 +1071,7 @@
           <a:p>
             <a:fld id="{9FF34AC4-D8C8-472C-967E-C5204768A306}" type="datetimeFigureOut">
               <a:rPr lang="ru-RU" smtClean="0"/>
-              <a:t>16.10.2018</a:t>
+              <a:t>19.10.2018</a:t>
             </a:fld>
             <a:endParaRPr lang="ru-RU"/>
           </a:p>
@@ -1359,7 +1359,7 @@
           <a:p>
             <a:fld id="{9FF34AC4-D8C8-472C-967E-C5204768A306}" type="datetimeFigureOut">
               <a:rPr lang="ru-RU" smtClean="0"/>
-              <a:t>16.10.2018</a:t>
+              <a:t>19.10.2018</a:t>
             </a:fld>
             <a:endParaRPr lang="ru-RU"/>
           </a:p>
@@ -1781,7 +1781,7 @@
           <a:p>
             <a:fld id="{9FF34AC4-D8C8-472C-967E-C5204768A306}" type="datetimeFigureOut">
               <a:rPr lang="ru-RU" smtClean="0"/>
-              <a:t>16.10.2018</a:t>
+              <a:t>19.10.2018</a:t>
             </a:fld>
             <a:endParaRPr lang="ru-RU"/>
           </a:p>
@@ -1899,7 +1899,7 @@
           <a:p>
             <a:fld id="{9FF34AC4-D8C8-472C-967E-C5204768A306}" type="datetimeFigureOut">
               <a:rPr lang="ru-RU" smtClean="0"/>
-              <a:t>16.10.2018</a:t>
+              <a:t>19.10.2018</a:t>
             </a:fld>
             <a:endParaRPr lang="ru-RU"/>
           </a:p>
@@ -1994,7 +1994,7 @@
           <a:p>
             <a:fld id="{9FF34AC4-D8C8-472C-967E-C5204768A306}" type="datetimeFigureOut">
               <a:rPr lang="ru-RU" smtClean="0"/>
-              <a:t>16.10.2018</a:t>
+              <a:t>19.10.2018</a:t>
             </a:fld>
             <a:endParaRPr lang="ru-RU"/>
           </a:p>
@@ -2271,7 +2271,7 @@
           <a:p>
             <a:fld id="{9FF34AC4-D8C8-472C-967E-C5204768A306}" type="datetimeFigureOut">
               <a:rPr lang="ru-RU" smtClean="0"/>
-              <a:t>16.10.2018</a:t>
+              <a:t>19.10.2018</a:t>
             </a:fld>
             <a:endParaRPr lang="ru-RU"/>
           </a:p>
@@ -2524,7 +2524,7 @@
           <a:p>
             <a:fld id="{9FF34AC4-D8C8-472C-967E-C5204768A306}" type="datetimeFigureOut">
               <a:rPr lang="ru-RU" smtClean="0"/>
-              <a:t>16.10.2018</a:t>
+              <a:t>19.10.2018</a:t>
             </a:fld>
             <a:endParaRPr lang="ru-RU"/>
           </a:p>
@@ -2737,7 +2737,7 @@
           <a:p>
             <a:fld id="{9FF34AC4-D8C8-472C-967E-C5204768A306}" type="datetimeFigureOut">
               <a:rPr lang="ru-RU" smtClean="0"/>
-              <a:t>16.10.2018</a:t>
+              <a:t>19.10.2018</a:t>
             </a:fld>
             <a:endParaRPr lang="ru-RU"/>
           </a:p>
@@ -3112,322 +3112,6 @@
           <a:chExt cx="0" cy="0"/>
         </a:xfrm>
       </p:grpSpPr>
-      <p:sp>
-        <p:nvSpPr>
-          <p:cNvPr id="4" name="Прямоугольник 3"/>
-          <p:cNvSpPr/>
-          <p:nvPr/>
-        </p:nvSpPr>
-        <p:spPr>
-          <a:xfrm>
-            <a:off x="2721600" y="1533906"/>
-            <a:ext cx="3600000" cy="3600000"/>
-          </a:xfrm>
-          <a:prstGeom prst="rect">
-            <a:avLst/>
-          </a:prstGeom>
-          <a:solidFill>
-            <a:srgbClr val="475CB7"/>
-          </a:solidFill>
-          <a:ln>
-            <a:noFill/>
-          </a:ln>
-        </p:spPr>
-        <p:style>
-          <a:lnRef idx="2">
-            <a:schemeClr val="accent1">
-              <a:shade val="50000"/>
-            </a:schemeClr>
-          </a:lnRef>
-          <a:fillRef idx="1">
-            <a:schemeClr val="accent1"/>
-          </a:fillRef>
-          <a:effectRef idx="0">
-            <a:schemeClr val="accent1"/>
-          </a:effectRef>
-          <a:fontRef idx="minor">
-            <a:schemeClr val="lt1"/>
-          </a:fontRef>
-        </p:style>
-        <p:txBody>
-          <a:bodyPr rtlCol="0" anchor="ctr"/>
-          <a:lstStyle/>
-          <a:p>
-            <a:pPr algn="ctr"/>
-            <a:endParaRPr lang="ru-RU"/>
-          </a:p>
-        </p:txBody>
-      </p:sp>
-      <p:sp>
-        <p:nvSpPr>
-          <p:cNvPr id="3" name="Rectangle 2"/>
-          <p:cNvSpPr/>
-          <p:nvPr/>
-        </p:nvSpPr>
-        <p:spPr>
-          <a:xfrm>
-            <a:off x="4067944" y="2416629"/>
-            <a:ext cx="1620180" cy="2020483"/>
-          </a:xfrm>
-          <a:prstGeom prst="rect">
-            <a:avLst/>
-          </a:prstGeom>
-          <a:noFill/>
-          <a:ln>
-            <a:noFill/>
-          </a:ln>
-        </p:spPr>
-        <p:style>
-          <a:lnRef idx="2">
-            <a:schemeClr val="accent1">
-              <a:shade val="50000"/>
-            </a:schemeClr>
-          </a:lnRef>
-          <a:fillRef idx="1">
-            <a:schemeClr val="accent1"/>
-          </a:fillRef>
-          <a:effectRef idx="0">
-            <a:schemeClr val="accent1"/>
-          </a:effectRef>
-          <a:fontRef idx="minor">
-            <a:schemeClr val="lt1"/>
-          </a:fontRef>
-        </p:style>
-        <p:txBody>
-          <a:bodyPr rtlCol="0" anchor="ctr"/>
-          <a:lstStyle/>
-          <a:p>
-            <a:pPr algn="ctr"/>
-            <a:endParaRPr lang="en-US"/>
-          </a:p>
-        </p:txBody>
-      </p:sp>
-      <p:grpSp>
-        <p:nvGrpSpPr>
-          <p:cNvPr id="11" name="Группа 10"/>
-          <p:cNvGrpSpPr/>
-          <p:nvPr/>
-        </p:nvGrpSpPr>
-        <p:grpSpPr>
-          <a:xfrm>
-            <a:off x="4482000" y="3622399"/>
-            <a:ext cx="272340" cy="612000"/>
-            <a:chOff x="4482000" y="3622399"/>
-            <a:chExt cx="272340" cy="612000"/>
-          </a:xfrm>
-        </p:grpSpPr>
-        <p:sp>
-          <p:nvSpPr>
-            <p:cNvPr id="16" name="Rectangle 15"/>
-            <p:cNvSpPr/>
-            <p:nvPr/>
-          </p:nvSpPr>
-          <p:spPr>
-            <a:xfrm>
-              <a:off x="4581784" y="3724609"/>
-              <a:ext cx="68085" cy="68140"/>
-            </a:xfrm>
-            <a:prstGeom prst="rect">
-              <a:avLst/>
-            </a:prstGeom>
-            <a:solidFill>
-              <a:srgbClr val="B3E6D5"/>
-            </a:solidFill>
-            <a:ln>
-              <a:noFill/>
-            </a:ln>
-          </p:spPr>
-          <p:style>
-            <a:lnRef idx="2">
-              <a:schemeClr val="accent1">
-                <a:shade val="50000"/>
-              </a:schemeClr>
-            </a:lnRef>
-            <a:fillRef idx="1">
-              <a:schemeClr val="accent1"/>
-            </a:fillRef>
-            <a:effectRef idx="0">
-              <a:schemeClr val="accent1"/>
-            </a:effectRef>
-            <a:fontRef idx="minor">
-              <a:schemeClr val="lt1"/>
-            </a:fontRef>
-          </p:style>
-          <p:txBody>
-            <a:bodyPr rtlCol="0" anchor="ctr"/>
-            <a:lstStyle/>
-            <a:p>
-              <a:pPr algn="ctr"/>
-              <a:endParaRPr lang="en-US"/>
-            </a:p>
-          </p:txBody>
-        </p:sp>
-        <p:grpSp>
-          <p:nvGrpSpPr>
-            <p:cNvPr id="7" name="Группа 6"/>
-            <p:cNvGrpSpPr/>
-            <p:nvPr/>
-          </p:nvGrpSpPr>
-          <p:grpSpPr>
-            <a:xfrm>
-              <a:off x="4482000" y="3622399"/>
-              <a:ext cx="272340" cy="612000"/>
-              <a:chOff x="4482000" y="3622399"/>
-              <a:chExt cx="272340" cy="612000"/>
-            </a:xfrm>
-          </p:grpSpPr>
-          <p:sp>
-            <p:nvSpPr>
-              <p:cNvPr id="13" name="Frame 12"/>
-              <p:cNvSpPr/>
-              <p:nvPr/>
-            </p:nvSpPr>
-            <p:spPr>
-              <a:xfrm>
-                <a:off x="4482000" y="3622399"/>
-                <a:ext cx="272340" cy="272560"/>
-              </a:xfrm>
-              <a:prstGeom prst="frame">
-                <a:avLst>
-                  <a:gd name="adj1" fmla="val 13342"/>
-                </a:avLst>
-              </a:prstGeom>
-              <a:solidFill>
-                <a:srgbClr val="B3E6D5"/>
-              </a:solidFill>
-              <a:ln>
-                <a:noFill/>
-              </a:ln>
-            </p:spPr>
-            <p:style>
-              <a:lnRef idx="2">
-                <a:schemeClr val="accent1">
-                  <a:shade val="50000"/>
-                </a:schemeClr>
-              </a:lnRef>
-              <a:fillRef idx="1">
-                <a:schemeClr val="accent1"/>
-              </a:fillRef>
-              <a:effectRef idx="0">
-                <a:schemeClr val="accent1"/>
-              </a:effectRef>
-              <a:fontRef idx="minor">
-                <a:schemeClr val="lt1"/>
-              </a:fontRef>
-            </p:style>
-            <p:txBody>
-              <a:bodyPr rtlCol="0" anchor="ctr"/>
-              <a:lstStyle/>
-              <a:p>
-                <a:pPr algn="ctr"/>
-                <a:endParaRPr lang="en-US">
-                  <a:solidFill>
-                    <a:schemeClr val="tx1"/>
-                  </a:solidFill>
-                </a:endParaRPr>
-              </a:p>
-            </p:txBody>
-          </p:sp>
-          <p:sp>
-            <p:nvSpPr>
-              <p:cNvPr id="18" name="Rectangle 17"/>
-              <p:cNvSpPr/>
-              <p:nvPr/>
-            </p:nvSpPr>
-            <p:spPr>
-              <a:xfrm>
-                <a:off x="4580905" y="4062789"/>
-                <a:ext cx="68085" cy="68140"/>
-              </a:xfrm>
-              <a:prstGeom prst="rect">
-                <a:avLst/>
-              </a:prstGeom>
-              <a:solidFill>
-                <a:srgbClr val="B3E6D5"/>
-              </a:solidFill>
-              <a:ln>
-                <a:noFill/>
-              </a:ln>
-            </p:spPr>
-            <p:style>
-              <a:lnRef idx="2">
-                <a:schemeClr val="accent1">
-                  <a:shade val="50000"/>
-                </a:schemeClr>
-              </a:lnRef>
-              <a:fillRef idx="1">
-                <a:schemeClr val="accent1"/>
-              </a:fillRef>
-              <a:effectRef idx="0">
-                <a:schemeClr val="accent1"/>
-              </a:effectRef>
-              <a:fontRef idx="minor">
-                <a:schemeClr val="lt1"/>
-              </a:fontRef>
-            </p:style>
-            <p:txBody>
-              <a:bodyPr rtlCol="0" anchor="ctr"/>
-              <a:lstStyle/>
-              <a:p>
-                <a:pPr algn="ctr"/>
-                <a:endParaRPr lang="en-US"/>
-              </a:p>
-            </p:txBody>
-          </p:sp>
-          <p:sp>
-            <p:nvSpPr>
-              <p:cNvPr id="19" name="Frame 18"/>
-              <p:cNvSpPr/>
-              <p:nvPr/>
-            </p:nvSpPr>
-            <p:spPr>
-              <a:xfrm>
-                <a:off x="4482000" y="3961839"/>
-                <a:ext cx="272340" cy="272560"/>
-              </a:xfrm>
-              <a:prstGeom prst="frame">
-                <a:avLst>
-                  <a:gd name="adj1" fmla="val 13342"/>
-                </a:avLst>
-              </a:prstGeom>
-              <a:solidFill>
-                <a:srgbClr val="B3E6D5"/>
-              </a:solidFill>
-              <a:ln>
-                <a:noFill/>
-              </a:ln>
-            </p:spPr>
-            <p:style>
-              <a:lnRef idx="2">
-                <a:schemeClr val="accent1">
-                  <a:shade val="50000"/>
-                </a:schemeClr>
-              </a:lnRef>
-              <a:fillRef idx="1">
-                <a:schemeClr val="accent1"/>
-              </a:fillRef>
-              <a:effectRef idx="0">
-                <a:schemeClr val="accent1"/>
-              </a:effectRef>
-              <a:fontRef idx="minor">
-                <a:schemeClr val="lt1"/>
-              </a:fontRef>
-            </p:style>
-            <p:txBody>
-              <a:bodyPr rtlCol="0" anchor="ctr"/>
-              <a:lstStyle/>
-              <a:p>
-                <a:pPr algn="ctr"/>
-                <a:endParaRPr lang="en-US">
-                  <a:solidFill>
-                    <a:schemeClr val="tx1"/>
-                  </a:solidFill>
-                </a:endParaRPr>
-              </a:p>
-            </p:txBody>
-          </p:sp>
-        </p:grpSp>
-      </p:grpSp>
       <p:grpSp>
         <p:nvGrpSpPr>
           <p:cNvPr id="9" name="Group 8"/>
@@ -3925,6 +3609,533 @@
           </p:sp>
         </p:grpSp>
       </p:grpSp>
+      <p:sp>
+        <p:nvSpPr>
+          <p:cNvPr id="4" name="Прямоугольник 3"/>
+          <p:cNvSpPr/>
+          <p:nvPr/>
+        </p:nvSpPr>
+        <p:spPr>
+          <a:xfrm>
+            <a:off x="3075445" y="1412776"/>
+            <a:ext cx="3600000" cy="3600000"/>
+          </a:xfrm>
+          <a:prstGeom prst="rect">
+            <a:avLst/>
+          </a:prstGeom>
+          <a:solidFill>
+            <a:srgbClr val="475CB7"/>
+          </a:solidFill>
+          <a:ln>
+            <a:noFill/>
+          </a:ln>
+        </p:spPr>
+        <p:style>
+          <a:lnRef idx="2">
+            <a:schemeClr val="accent1">
+              <a:shade val="50000"/>
+            </a:schemeClr>
+          </a:lnRef>
+          <a:fillRef idx="1">
+            <a:schemeClr val="accent1"/>
+          </a:fillRef>
+          <a:effectRef idx="0">
+            <a:schemeClr val="accent1"/>
+          </a:effectRef>
+          <a:fontRef idx="minor">
+            <a:schemeClr val="lt1"/>
+          </a:fontRef>
+        </p:style>
+        <p:txBody>
+          <a:bodyPr rtlCol="0" anchor="ctr"/>
+          <a:lstStyle/>
+          <a:p>
+            <a:pPr algn="ctr"/>
+            <a:endParaRPr lang="ru-RU"/>
+          </a:p>
+        </p:txBody>
+      </p:sp>
+      <p:sp>
+        <p:nvSpPr>
+          <p:cNvPr id="3" name="Rectangle 2"/>
+          <p:cNvSpPr/>
+          <p:nvPr/>
+        </p:nvSpPr>
+        <p:spPr>
+          <a:xfrm>
+            <a:off x="4067944" y="2416629"/>
+            <a:ext cx="1620180" cy="2020483"/>
+          </a:xfrm>
+          <a:prstGeom prst="rect">
+            <a:avLst/>
+          </a:prstGeom>
+          <a:noFill/>
+          <a:ln>
+            <a:noFill/>
+          </a:ln>
+        </p:spPr>
+        <p:style>
+          <a:lnRef idx="2">
+            <a:schemeClr val="accent1">
+              <a:shade val="50000"/>
+            </a:schemeClr>
+          </a:lnRef>
+          <a:fillRef idx="1">
+            <a:schemeClr val="accent1"/>
+          </a:fillRef>
+          <a:effectRef idx="0">
+            <a:schemeClr val="accent1"/>
+          </a:effectRef>
+          <a:fontRef idx="minor">
+            <a:schemeClr val="lt1"/>
+          </a:fontRef>
+        </p:style>
+        <p:txBody>
+          <a:bodyPr rtlCol="0" anchor="ctr"/>
+          <a:lstStyle/>
+          <a:p>
+            <a:pPr algn="ctr"/>
+            <a:endParaRPr lang="en-US"/>
+          </a:p>
+        </p:txBody>
+      </p:sp>
+      <p:grpSp>
+        <p:nvGrpSpPr>
+          <p:cNvPr id="34" name="Group 33"/>
+          <p:cNvGrpSpPr>
+            <a:grpSpLocks noChangeAspect="1"/>
+          </p:cNvGrpSpPr>
+          <p:nvPr/>
+        </p:nvGrpSpPr>
+        <p:grpSpPr>
+          <a:xfrm>
+            <a:off x="4471926" y="3622400"/>
+            <a:ext cx="258305" cy="612000"/>
+            <a:chOff x="8801533" y="4393680"/>
+            <a:chExt cx="864000" cy="2047067"/>
+          </a:xfrm>
+          <a:scene3d>
+            <a:camera prst="orthographicFront">
+              <a:rot lat="0" lon="0" rev="0"/>
+            </a:camera>
+            <a:lightRig rig="threePt" dir="t"/>
+          </a:scene3d>
+        </p:grpSpPr>
+        <p:sp>
+          <p:nvSpPr>
+            <p:cNvPr id="35" name="Rounded Rectangle 34"/>
+            <p:cNvSpPr/>
+            <p:nvPr/>
+          </p:nvSpPr>
+          <p:spPr>
+            <a:xfrm rot="16200000">
+              <a:off x="8801533" y="5576747"/>
+              <a:ext cx="864000" cy="864000"/>
+            </a:xfrm>
+            <a:prstGeom prst="roundRect">
+              <a:avLst>
+                <a:gd name="adj" fmla="val 8096"/>
+              </a:avLst>
+            </a:prstGeom>
+            <a:noFill/>
+            <a:ln w="38100">
+              <a:solidFill>
+                <a:srgbClr val="B3E6D5"/>
+              </a:solidFill>
+            </a:ln>
+          </p:spPr>
+          <p:style>
+            <a:lnRef idx="2">
+              <a:schemeClr val="accent1">
+                <a:shade val="50000"/>
+              </a:schemeClr>
+            </a:lnRef>
+            <a:fillRef idx="1">
+              <a:schemeClr val="accent1"/>
+            </a:fillRef>
+            <a:effectRef idx="0">
+              <a:schemeClr val="accent1"/>
+            </a:effectRef>
+            <a:fontRef idx="minor">
+              <a:schemeClr val="lt1"/>
+            </a:fontRef>
+          </p:style>
+          <p:txBody>
+            <a:bodyPr rtlCol="0" anchor="ctr"/>
+            <a:lstStyle/>
+            <a:p>
+              <a:pPr algn="ctr"/>
+              <a:endParaRPr lang="en-US"/>
+            </a:p>
+          </p:txBody>
+        </p:sp>
+        <p:sp>
+          <p:nvSpPr>
+            <p:cNvPr id="36" name="Rounded Rectangle 35"/>
+            <p:cNvSpPr/>
+            <p:nvPr/>
+          </p:nvSpPr>
+          <p:spPr>
+            <a:xfrm rot="16200000">
+              <a:off x="8801533" y="4393680"/>
+              <a:ext cx="864000" cy="864000"/>
+            </a:xfrm>
+            <a:prstGeom prst="roundRect">
+              <a:avLst>
+                <a:gd name="adj" fmla="val 8096"/>
+              </a:avLst>
+            </a:prstGeom>
+            <a:noFill/>
+            <a:ln w="38100">
+              <a:solidFill>
+                <a:srgbClr val="B3E6D5"/>
+              </a:solidFill>
+            </a:ln>
+          </p:spPr>
+          <p:style>
+            <a:lnRef idx="2">
+              <a:schemeClr val="accent1">
+                <a:shade val="50000"/>
+              </a:schemeClr>
+            </a:lnRef>
+            <a:fillRef idx="1">
+              <a:schemeClr val="accent1"/>
+            </a:fillRef>
+            <a:effectRef idx="0">
+              <a:schemeClr val="accent1"/>
+            </a:effectRef>
+            <a:fontRef idx="minor">
+              <a:schemeClr val="lt1"/>
+            </a:fontRef>
+          </p:style>
+          <p:txBody>
+            <a:bodyPr rtlCol="0" anchor="ctr"/>
+            <a:lstStyle/>
+            <a:p>
+              <a:pPr algn="ctr"/>
+              <a:endParaRPr lang="en-US"/>
+            </a:p>
+          </p:txBody>
+        </p:sp>
+        <p:sp>
+          <p:nvSpPr>
+            <p:cNvPr id="38" name="Rounded Rectangle 37"/>
+            <p:cNvSpPr/>
+            <p:nvPr/>
+          </p:nvSpPr>
+          <p:spPr>
+            <a:xfrm rot="16200000">
+              <a:off x="9053533" y="5828747"/>
+              <a:ext cx="360000" cy="360000"/>
+            </a:xfrm>
+            <a:prstGeom prst="roundRect">
+              <a:avLst/>
+            </a:prstGeom>
+            <a:noFill/>
+            <a:ln w="38100">
+              <a:solidFill>
+                <a:srgbClr val="B3E6D5"/>
+              </a:solidFill>
+            </a:ln>
+          </p:spPr>
+          <p:style>
+            <a:lnRef idx="2">
+              <a:schemeClr val="accent1">
+                <a:shade val="50000"/>
+              </a:schemeClr>
+            </a:lnRef>
+            <a:fillRef idx="1">
+              <a:schemeClr val="accent1"/>
+            </a:fillRef>
+            <a:effectRef idx="0">
+              <a:schemeClr val="accent1"/>
+            </a:effectRef>
+            <a:fontRef idx="minor">
+              <a:schemeClr val="lt1"/>
+            </a:fontRef>
+          </p:style>
+          <p:txBody>
+            <a:bodyPr rtlCol="0" anchor="ctr"/>
+            <a:lstStyle/>
+            <a:p>
+              <a:pPr algn="ctr"/>
+              <a:endParaRPr lang="en-US"/>
+            </a:p>
+          </p:txBody>
+        </p:sp>
+        <p:sp>
+          <p:nvSpPr>
+            <p:cNvPr id="39" name="Rounded Rectangle 38"/>
+            <p:cNvSpPr/>
+            <p:nvPr/>
+          </p:nvSpPr>
+          <p:spPr>
+            <a:xfrm rot="16200000">
+              <a:off x="9053533" y="4645680"/>
+              <a:ext cx="360000" cy="360000"/>
+            </a:xfrm>
+            <a:prstGeom prst="roundRect">
+              <a:avLst/>
+            </a:prstGeom>
+            <a:noFill/>
+            <a:ln w="38100">
+              <a:solidFill>
+                <a:srgbClr val="B3E6D5"/>
+              </a:solidFill>
+            </a:ln>
+          </p:spPr>
+          <p:style>
+            <a:lnRef idx="2">
+              <a:schemeClr val="accent1">
+                <a:shade val="50000"/>
+              </a:schemeClr>
+            </a:lnRef>
+            <a:fillRef idx="1">
+              <a:schemeClr val="accent1"/>
+            </a:fillRef>
+            <a:effectRef idx="0">
+              <a:schemeClr val="accent1"/>
+            </a:effectRef>
+            <a:fontRef idx="minor">
+              <a:schemeClr val="lt1"/>
+            </a:fontRef>
+          </p:style>
+          <p:txBody>
+            <a:bodyPr rtlCol="0" anchor="ctr"/>
+            <a:lstStyle/>
+            <a:p>
+              <a:pPr algn="ctr"/>
+              <a:endParaRPr lang="en-US"/>
+            </a:p>
+          </p:txBody>
+        </p:sp>
+      </p:grpSp>
+      <p:grpSp>
+        <p:nvGrpSpPr>
+          <p:cNvPr id="11" name="Группа 10"/>
+          <p:cNvGrpSpPr/>
+          <p:nvPr/>
+        </p:nvGrpSpPr>
+        <p:grpSpPr>
+          <a:xfrm>
+            <a:off x="3185845" y="3544329"/>
+            <a:ext cx="272340" cy="612000"/>
+            <a:chOff x="4482000" y="3622399"/>
+            <a:chExt cx="272340" cy="612000"/>
+          </a:xfrm>
+        </p:grpSpPr>
+        <p:sp>
+          <p:nvSpPr>
+            <p:cNvPr id="16" name="Rectangle 15"/>
+            <p:cNvSpPr/>
+            <p:nvPr/>
+          </p:nvSpPr>
+          <p:spPr>
+            <a:xfrm>
+              <a:off x="4581784" y="3724609"/>
+              <a:ext cx="68085" cy="68140"/>
+            </a:xfrm>
+            <a:prstGeom prst="rect">
+              <a:avLst/>
+            </a:prstGeom>
+            <a:solidFill>
+              <a:srgbClr val="B3E6D5"/>
+            </a:solidFill>
+            <a:ln>
+              <a:noFill/>
+            </a:ln>
+          </p:spPr>
+          <p:style>
+            <a:lnRef idx="2">
+              <a:schemeClr val="accent1">
+                <a:shade val="50000"/>
+              </a:schemeClr>
+            </a:lnRef>
+            <a:fillRef idx="1">
+              <a:schemeClr val="accent1"/>
+            </a:fillRef>
+            <a:effectRef idx="0">
+              <a:schemeClr val="accent1"/>
+            </a:effectRef>
+            <a:fontRef idx="minor">
+              <a:schemeClr val="lt1"/>
+            </a:fontRef>
+          </p:style>
+          <p:txBody>
+            <a:bodyPr rtlCol="0" anchor="ctr"/>
+            <a:lstStyle/>
+            <a:p>
+              <a:pPr algn="ctr"/>
+              <a:endParaRPr lang="en-US"/>
+            </a:p>
+          </p:txBody>
+        </p:sp>
+        <p:grpSp>
+          <p:nvGrpSpPr>
+            <p:cNvPr id="7" name="Группа 6"/>
+            <p:cNvGrpSpPr/>
+            <p:nvPr/>
+          </p:nvGrpSpPr>
+          <p:grpSpPr>
+            <a:xfrm>
+              <a:off x="4482000" y="3622399"/>
+              <a:ext cx="272340" cy="612000"/>
+              <a:chOff x="4482000" y="3622399"/>
+              <a:chExt cx="272340" cy="612000"/>
+            </a:xfrm>
+          </p:grpSpPr>
+          <p:sp>
+            <p:nvSpPr>
+              <p:cNvPr id="13" name="Frame 12"/>
+              <p:cNvSpPr/>
+              <p:nvPr/>
+            </p:nvSpPr>
+            <p:spPr>
+              <a:xfrm>
+                <a:off x="4482000" y="3622399"/>
+                <a:ext cx="272340" cy="272560"/>
+              </a:xfrm>
+              <a:prstGeom prst="frame">
+                <a:avLst>
+                  <a:gd name="adj1" fmla="val 13342"/>
+                </a:avLst>
+              </a:prstGeom>
+              <a:solidFill>
+                <a:srgbClr val="B3E6D5"/>
+              </a:solidFill>
+              <a:ln>
+                <a:noFill/>
+              </a:ln>
+            </p:spPr>
+            <p:style>
+              <a:lnRef idx="2">
+                <a:schemeClr val="accent1">
+                  <a:shade val="50000"/>
+                </a:schemeClr>
+              </a:lnRef>
+              <a:fillRef idx="1">
+                <a:schemeClr val="accent1"/>
+              </a:fillRef>
+              <a:effectRef idx="0">
+                <a:schemeClr val="accent1"/>
+              </a:effectRef>
+              <a:fontRef idx="minor">
+                <a:schemeClr val="lt1"/>
+              </a:fontRef>
+            </p:style>
+            <p:txBody>
+              <a:bodyPr rtlCol="0" anchor="ctr"/>
+              <a:lstStyle/>
+              <a:p>
+                <a:pPr algn="ctr"/>
+                <a:endParaRPr lang="en-US">
+                  <a:solidFill>
+                    <a:schemeClr val="tx1"/>
+                  </a:solidFill>
+                </a:endParaRPr>
+              </a:p>
+            </p:txBody>
+          </p:sp>
+          <p:sp>
+            <p:nvSpPr>
+              <p:cNvPr id="18" name="Rectangle 17"/>
+              <p:cNvSpPr/>
+              <p:nvPr/>
+            </p:nvSpPr>
+            <p:spPr>
+              <a:xfrm>
+                <a:off x="4580905" y="4062789"/>
+                <a:ext cx="68085" cy="68140"/>
+              </a:xfrm>
+              <a:prstGeom prst="rect">
+                <a:avLst/>
+              </a:prstGeom>
+              <a:solidFill>
+                <a:srgbClr val="B3E6D5"/>
+              </a:solidFill>
+              <a:ln>
+                <a:noFill/>
+              </a:ln>
+            </p:spPr>
+            <p:style>
+              <a:lnRef idx="2">
+                <a:schemeClr val="accent1">
+                  <a:shade val="50000"/>
+                </a:schemeClr>
+              </a:lnRef>
+              <a:fillRef idx="1">
+                <a:schemeClr val="accent1"/>
+              </a:fillRef>
+              <a:effectRef idx="0">
+                <a:schemeClr val="accent1"/>
+              </a:effectRef>
+              <a:fontRef idx="minor">
+                <a:schemeClr val="lt1"/>
+              </a:fontRef>
+            </p:style>
+            <p:txBody>
+              <a:bodyPr rtlCol="0" anchor="ctr"/>
+              <a:lstStyle/>
+              <a:p>
+                <a:pPr algn="ctr"/>
+                <a:endParaRPr lang="en-US"/>
+              </a:p>
+            </p:txBody>
+          </p:sp>
+          <p:sp>
+            <p:nvSpPr>
+              <p:cNvPr id="19" name="Frame 18"/>
+              <p:cNvSpPr/>
+              <p:nvPr/>
+            </p:nvSpPr>
+            <p:spPr>
+              <a:xfrm>
+                <a:off x="4482000" y="3961839"/>
+                <a:ext cx="272340" cy="272560"/>
+              </a:xfrm>
+              <a:prstGeom prst="frame">
+                <a:avLst>
+                  <a:gd name="adj1" fmla="val 13342"/>
+                </a:avLst>
+              </a:prstGeom>
+              <a:solidFill>
+                <a:srgbClr val="B3E6D5"/>
+              </a:solidFill>
+              <a:ln>
+                <a:noFill/>
+              </a:ln>
+            </p:spPr>
+            <p:style>
+              <a:lnRef idx="2">
+                <a:schemeClr val="accent1">
+                  <a:shade val="50000"/>
+                </a:schemeClr>
+              </a:lnRef>
+              <a:fillRef idx="1">
+                <a:schemeClr val="accent1"/>
+              </a:fillRef>
+              <a:effectRef idx="0">
+                <a:schemeClr val="accent1"/>
+              </a:effectRef>
+              <a:fontRef idx="minor">
+                <a:schemeClr val="lt1"/>
+              </a:fontRef>
+            </p:style>
+            <p:txBody>
+              <a:bodyPr rtlCol="0" anchor="ctr"/>
+              <a:lstStyle/>
+              <a:p>
+                <a:pPr algn="ctr"/>
+                <a:endParaRPr lang="en-US">
+                  <a:solidFill>
+                    <a:schemeClr val="tx1"/>
+                  </a:solidFill>
+                </a:endParaRPr>
+              </a:p>
+            </p:txBody>
+          </p:sp>
+        </p:grpSp>
+      </p:grpSp>
       <p:cxnSp>
         <p:nvCxnSpPr>
           <p:cNvPr id="12" name="Прямая соединительная линия 11"/>
@@ -4108,13 +4319,272 @@
       </p:cxnSp>
       <p:grpSp>
         <p:nvGrpSpPr>
+          <p:cNvPr id="40" name="Group 39"/>
+          <p:cNvGrpSpPr>
+            <a:grpSpLocks noChangeAspect="1"/>
+          </p:cNvGrpSpPr>
+          <p:nvPr/>
+        </p:nvGrpSpPr>
+        <p:grpSpPr>
+          <a:xfrm>
+            <a:off x="5008746" y="3629616"/>
+            <a:ext cx="262231" cy="612000"/>
+            <a:chOff x="9983633" y="4422427"/>
+            <a:chExt cx="864000" cy="2016418"/>
+          </a:xfrm>
+          <a:scene3d>
+            <a:camera prst="orthographicFront">
+              <a:rot lat="10800000" lon="0" rev="0"/>
+            </a:camera>
+            <a:lightRig rig="threePt" dir="t"/>
+          </a:scene3d>
+        </p:grpSpPr>
+        <p:sp>
+          <p:nvSpPr>
+            <p:cNvPr id="41" name="Rounded Rectangle 40"/>
+            <p:cNvSpPr/>
+            <p:nvPr/>
+          </p:nvSpPr>
+          <p:spPr>
+            <a:xfrm rot="16200000">
+              <a:off x="9983633" y="5574845"/>
+              <a:ext cx="864000" cy="864000"/>
+            </a:xfrm>
+            <a:prstGeom prst="roundRect">
+              <a:avLst>
+                <a:gd name="adj" fmla="val 8096"/>
+              </a:avLst>
+            </a:prstGeom>
+            <a:noFill/>
+            <a:ln w="38100">
+              <a:solidFill>
+                <a:srgbClr val="B3E6D5"/>
+              </a:solidFill>
+            </a:ln>
+          </p:spPr>
+          <p:style>
+            <a:lnRef idx="2">
+              <a:schemeClr val="accent1">
+                <a:shade val="50000"/>
+              </a:schemeClr>
+            </a:lnRef>
+            <a:fillRef idx="1">
+              <a:schemeClr val="accent1"/>
+            </a:fillRef>
+            <a:effectRef idx="0">
+              <a:schemeClr val="accent1"/>
+            </a:effectRef>
+            <a:fontRef idx="minor">
+              <a:schemeClr val="lt1"/>
+            </a:fontRef>
+          </p:style>
+          <p:txBody>
+            <a:bodyPr rtlCol="0" anchor="ctr"/>
+            <a:lstStyle/>
+            <a:p>
+              <a:pPr algn="ctr"/>
+              <a:endParaRPr lang="en-US"/>
+            </a:p>
+          </p:txBody>
+        </p:sp>
+        <p:sp>
+          <p:nvSpPr>
+            <p:cNvPr id="42" name="Rounded Rectangle 41"/>
+            <p:cNvSpPr/>
+            <p:nvPr/>
+          </p:nvSpPr>
+          <p:spPr>
+            <a:xfrm rot="16200000">
+              <a:off x="10238086" y="5828746"/>
+              <a:ext cx="360000" cy="360000"/>
+            </a:xfrm>
+            <a:prstGeom prst="roundRect">
+              <a:avLst/>
+            </a:prstGeom>
+            <a:noFill/>
+            <a:ln w="38100">
+              <a:solidFill>
+                <a:srgbClr val="B3E6D5"/>
+              </a:solidFill>
+            </a:ln>
+          </p:spPr>
+          <p:style>
+            <a:lnRef idx="2">
+              <a:schemeClr val="accent1">
+                <a:shade val="50000"/>
+              </a:schemeClr>
+            </a:lnRef>
+            <a:fillRef idx="1">
+              <a:schemeClr val="accent1"/>
+            </a:fillRef>
+            <a:effectRef idx="0">
+              <a:schemeClr val="accent1"/>
+            </a:effectRef>
+            <a:fontRef idx="minor">
+              <a:schemeClr val="lt1"/>
+            </a:fontRef>
+          </p:style>
+          <p:txBody>
+            <a:bodyPr rtlCol="0" anchor="ctr"/>
+            <a:lstStyle/>
+            <a:p>
+              <a:pPr algn="ctr"/>
+              <a:endParaRPr lang="en-US"/>
+            </a:p>
+          </p:txBody>
+        </p:sp>
+        <p:cxnSp>
+          <p:nvCxnSpPr>
+            <p:cNvPr id="43" name="Straight Connector 42"/>
+            <p:cNvCxnSpPr/>
+            <p:nvPr/>
+          </p:nvCxnSpPr>
+          <p:spPr>
+            <a:xfrm rot="16200000">
+              <a:off x="10415633" y="3990427"/>
+              <a:ext cx="0" cy="864000"/>
+            </a:xfrm>
+            <a:prstGeom prst="line">
+              <a:avLst/>
+            </a:prstGeom>
+            <a:ln w="38100" cap="rnd">
+              <a:solidFill>
+                <a:srgbClr val="B3E6D5"/>
+              </a:solidFill>
+            </a:ln>
+          </p:spPr>
+          <p:style>
+            <a:lnRef idx="1">
+              <a:schemeClr val="accent1"/>
+            </a:lnRef>
+            <a:fillRef idx="0">
+              <a:schemeClr val="accent1"/>
+            </a:fillRef>
+            <a:effectRef idx="0">
+              <a:schemeClr val="accent1"/>
+            </a:effectRef>
+            <a:fontRef idx="minor">
+              <a:schemeClr val="tx1"/>
+            </a:fontRef>
+          </p:style>
+        </p:cxnSp>
+        <p:cxnSp>
+          <p:nvCxnSpPr>
+            <p:cNvPr id="45" name="Straight Connector 44"/>
+            <p:cNvCxnSpPr/>
+            <p:nvPr/>
+          </p:nvCxnSpPr>
+          <p:spPr>
+            <a:xfrm rot="16200000">
+              <a:off x="10415633" y="4793227"/>
+              <a:ext cx="0" cy="864000"/>
+            </a:xfrm>
+            <a:prstGeom prst="line">
+              <a:avLst/>
+            </a:prstGeom>
+            <a:ln w="38100" cap="rnd">
+              <a:solidFill>
+                <a:srgbClr val="B3E6D5"/>
+              </a:solidFill>
+            </a:ln>
+          </p:spPr>
+          <p:style>
+            <a:lnRef idx="1">
+              <a:schemeClr val="accent1"/>
+            </a:lnRef>
+            <a:fillRef idx="0">
+              <a:schemeClr val="accent1"/>
+            </a:fillRef>
+            <a:effectRef idx="0">
+              <a:schemeClr val="accent1"/>
+            </a:effectRef>
+            <a:fontRef idx="minor">
+              <a:schemeClr val="tx1"/>
+            </a:fontRef>
+          </p:style>
+        </p:cxnSp>
+        <p:cxnSp>
+          <p:nvCxnSpPr>
+            <p:cNvPr id="46" name="Straight Connector 45"/>
+            <p:cNvCxnSpPr/>
+            <p:nvPr/>
+          </p:nvCxnSpPr>
+          <p:spPr>
+            <a:xfrm rot="16200000">
+              <a:off x="10415633" y="4393679"/>
+              <a:ext cx="0" cy="864000"/>
+            </a:xfrm>
+            <a:prstGeom prst="line">
+              <a:avLst/>
+            </a:prstGeom>
+            <a:ln w="38100" cap="rnd">
+              <a:solidFill>
+                <a:srgbClr val="B3E6D5"/>
+              </a:solidFill>
+            </a:ln>
+          </p:spPr>
+          <p:style>
+            <a:lnRef idx="1">
+              <a:schemeClr val="accent1"/>
+            </a:lnRef>
+            <a:fillRef idx="0">
+              <a:schemeClr val="accent1"/>
+            </a:fillRef>
+            <a:effectRef idx="0">
+              <a:schemeClr val="accent1"/>
+            </a:effectRef>
+            <a:fontRef idx="minor">
+              <a:schemeClr val="tx1"/>
+            </a:fontRef>
+          </p:style>
+        </p:cxnSp>
+      </p:grpSp>
+      <p:cxnSp>
+        <p:nvCxnSpPr>
+          <p:cNvPr id="8" name="Straight Connector 7"/>
+          <p:cNvCxnSpPr/>
+          <p:nvPr/>
+        </p:nvCxnSpPr>
+        <p:spPr>
+          <a:xfrm>
+            <a:off x="683568" y="836712"/>
+            <a:ext cx="360000" cy="0"/>
+          </a:xfrm>
+          <a:prstGeom prst="line">
+            <a:avLst/>
+          </a:prstGeom>
+          <a:ln w="114300" cap="rnd">
+            <a:solidFill>
+              <a:schemeClr val="bg1">
+                <a:lumMod val="85000"/>
+              </a:schemeClr>
+            </a:solidFill>
+          </a:ln>
+        </p:spPr>
+        <p:style>
+          <a:lnRef idx="1">
+            <a:schemeClr val="accent1"/>
+          </a:lnRef>
+          <a:fillRef idx="0">
+            <a:schemeClr val="accent1"/>
+          </a:fillRef>
+          <a:effectRef idx="0">
+            <a:schemeClr val="accent1"/>
+          </a:effectRef>
+          <a:fontRef idx="minor">
+            <a:schemeClr val="tx1"/>
+          </a:fontRef>
+        </p:style>
+      </p:cxnSp>
+      <p:grpSp>
+        <p:nvGrpSpPr>
           <p:cNvPr id="6" name="Группа 5"/>
           <p:cNvGrpSpPr/>
           <p:nvPr/>
         </p:nvGrpSpPr>
         <p:grpSpPr>
           <a:xfrm>
-            <a:off x="2555776" y="2692506"/>
+            <a:off x="4065355" y="2403182"/>
             <a:ext cx="1620180" cy="2064208"/>
             <a:chOff x="4067944" y="2395442"/>
             <a:chExt cx="1620180" cy="2064208"/>
@@ -4675,6 +5145,32 @@
           </p:txBody>
         </p:sp>
       </p:grpSp>
+      <p:sp>
+        <p:nvSpPr>
+          <p:cNvPr id="17" name="TextBox 16"/>
+          <p:cNvSpPr txBox="1"/>
+          <p:nvPr/>
+        </p:nvSpPr>
+        <p:spPr>
+          <a:xfrm>
+            <a:off x="9166302" y="4036741"/>
+            <a:ext cx="184731" cy="369332"/>
+          </a:xfrm>
+          <a:prstGeom prst="rect">
+            <a:avLst/>
+          </a:prstGeom>
+          <a:noFill/>
+        </p:spPr>
+        <p:txBody>
+          <a:bodyPr wrap="none" rtlCol="0">
+            <a:spAutoFit/>
+          </a:bodyPr>
+          <a:lstStyle/>
+          <a:p>
+            <a:endParaRPr lang="en-US"/>
+          </a:p>
+        </p:txBody>
+      </p:sp>
     </p:spTree>
     <p:extLst>
       <p:ext uri="{BB962C8B-B14F-4D97-AF65-F5344CB8AC3E}">
@@ -4712,9 +5208,94 @@
           <a:chExt cx="0" cy="0"/>
         </a:xfrm>
       </p:grpSpPr>
+      <p:sp>
+        <p:nvSpPr>
+          <p:cNvPr id="4" name="Прямоугольник 3"/>
+          <p:cNvSpPr/>
+          <p:nvPr/>
+        </p:nvSpPr>
+        <p:spPr>
+          <a:xfrm>
+            <a:off x="1944000" y="-1683568"/>
+            <a:ext cx="7200000" cy="7200000"/>
+          </a:xfrm>
+          <a:prstGeom prst="rect">
+            <a:avLst/>
+          </a:prstGeom>
+          <a:gradFill flip="none" rotWithShape="1">
+            <a:gsLst>
+              <a:gs pos="0">
+                <a:srgbClr val="374284"/>
+              </a:gs>
+              <a:gs pos="84000">
+                <a:srgbClr val="20264C"/>
+              </a:gs>
+            </a:gsLst>
+            <a:lin ang="5400000" scaled="0"/>
+            <a:tileRect/>
+          </a:gradFill>
+          <a:ln>
+            <a:noFill/>
+          </a:ln>
+        </p:spPr>
+        <p:style>
+          <a:lnRef idx="2">
+            <a:schemeClr val="accent1">
+              <a:shade val="50000"/>
+            </a:schemeClr>
+          </a:lnRef>
+          <a:fillRef idx="1">
+            <a:schemeClr val="accent1"/>
+          </a:fillRef>
+          <a:effectRef idx="0">
+            <a:schemeClr val="accent1"/>
+          </a:effectRef>
+          <a:fontRef idx="minor">
+            <a:schemeClr val="lt1"/>
+          </a:fontRef>
+        </p:style>
+        <p:txBody>
+          <a:bodyPr rtlCol="0" anchor="ctr"/>
+          <a:lstStyle/>
+          <a:p>
+            <a:pPr algn="ctr"/>
+            <a:endParaRPr lang="ru-RU"/>
+          </a:p>
+        </p:txBody>
+      </p:sp>
+      <p:pic>
+        <p:nvPicPr>
+          <p:cNvPr id="5" name="Picture 4"/>
+          <p:cNvPicPr>
+            <a:picLocks noChangeAspect="1"/>
+          </p:cNvPicPr>
+          <p:nvPr/>
+        </p:nvPicPr>
+        <p:blipFill>
+          <a:blip r:embed="rId2">
+            <a:extLst>
+              <a:ext uri="{28A0092B-C50C-407E-A947-70E740481C1C}">
+                <a14:useLocalDpi xmlns:a14="http://schemas.microsoft.com/office/drawing/2010/main" val="0"/>
+              </a:ext>
+            </a:extLst>
+          </a:blip>
+          <a:stretch>
+            <a:fillRect/>
+          </a:stretch>
+        </p:blipFill>
+        <p:spPr>
+          <a:xfrm>
+            <a:off x="3780000" y="-278623"/>
+            <a:ext cx="3528000" cy="4390110"/>
+          </a:xfrm>
+          <a:prstGeom prst="rect">
+            <a:avLst/>
+          </a:prstGeom>
+        </p:spPr>
+      </p:pic>
       <p:grpSp>
         <p:nvGrpSpPr>
-          <p:cNvPr id="6" name="Group 5"/>
+          <p:cNvPr id="3" name="Group 2"/>
           <p:cNvGrpSpPr>
             <a:grpSpLocks noChangeAspect="1"/>
           </p:cNvGrpSpPr>
@@ -4722,41 +5303,36 @@
         </p:nvGrpSpPr>
         <p:grpSpPr>
           <a:xfrm>
-            <a:off x="1944000" y="-1683568"/>
-            <a:ext cx="7200000" cy="7200000"/>
-            <a:chOff x="2721600" y="1533906"/>
-            <a:chExt cx="3600000" cy="3600000"/>
+            <a:off x="251520" y="5085184"/>
+            <a:ext cx="540000" cy="1279418"/>
+            <a:chOff x="8801533" y="4393680"/>
+            <a:chExt cx="864000" cy="2047067"/>
           </a:xfrm>
         </p:grpSpPr>
         <p:sp>
           <p:nvSpPr>
-            <p:cNvPr id="4" name="Прямоугольник 3"/>
+            <p:cNvPr id="8" name="Rounded Rectangle 7"/>
             <p:cNvSpPr/>
             <p:nvPr/>
           </p:nvSpPr>
           <p:spPr>
-            <a:xfrm>
-              <a:off x="2721600" y="1533906"/>
-              <a:ext cx="3600000" cy="3600000"/>
+            <a:xfrm rot="16200000">
+              <a:off x="8801533" y="5576747"/>
+              <a:ext cx="864000" cy="864000"/>
             </a:xfrm>
-            <a:prstGeom prst="rect">
-              <a:avLst/>
+            <a:prstGeom prst="roundRect">
+              <a:avLst>
+                <a:gd name="adj" fmla="val 8096"/>
+              </a:avLst>
             </a:prstGeom>
-            <a:gradFill flip="none" rotWithShape="1">
-              <a:gsLst>
-                <a:gs pos="0">
-                  <a:srgbClr val="778BCE"/>
-                </a:gs>
-                <a:gs pos="84000">
-                  <a:srgbClr val="324379"/>
-                </a:gs>
-              </a:gsLst>
-              <a:lin ang="7200000" scaled="0"/>
-              <a:tileRect/>
-            </a:gradFill>
-            <a:ln>
-              <a:noFill/>
-            </a:ln>
+            <a:noFill/>
+            <a:ln w="88900"/>
+            <a:scene3d>
+              <a:camera prst="orthographicFront">
+                <a:rot lat="10800000" lon="0" rev="0"/>
+              </a:camera>
+              <a:lightRig rig="threePt" dir="t"/>
+            </a:scene3d>
           </p:spPr>
           <p:style>
             <a:lnRef idx="2">
@@ -4779,40 +5355,358 @@
             <a:lstStyle/>
             <a:p>
               <a:pPr algn="ctr"/>
-              <a:endParaRPr lang="ru-RU"/>
+              <a:endParaRPr lang="en-US"/>
             </a:p>
           </p:txBody>
         </p:sp>
-        <p:pic>
-          <p:nvPicPr>
-            <p:cNvPr id="5" name="Picture 4"/>
-            <p:cNvPicPr>
-              <a:picLocks noChangeAspect="1"/>
-            </p:cNvPicPr>
+        <p:sp>
+          <p:nvSpPr>
+            <p:cNvPr id="9" name="Rounded Rectangle 8"/>
+            <p:cNvSpPr/>
             <p:nvPr/>
-          </p:nvPicPr>
-          <p:blipFill>
-            <a:blip r:embed="rId2">
-              <a:extLst>
-                <a:ext uri="{28A0092B-C50C-407E-A947-70E740481C1C}">
-                  <a14:useLocalDpi xmlns:a14="http://schemas.microsoft.com/office/drawing/2010/main" val="0"/>
-                </a:ext>
-              </a:extLst>
-            </a:blip>
-            <a:stretch>
-              <a:fillRect/>
-            </a:stretch>
-          </p:blipFill>
+          </p:nvSpPr>
           <p:spPr>
-            <a:xfrm>
-              <a:off x="3710832" y="2325018"/>
-              <a:ext cx="1621536" cy="2017776"/>
+            <a:xfrm rot="16200000">
+              <a:off x="8801533" y="4393680"/>
+              <a:ext cx="864000" cy="864000"/>
             </a:xfrm>
-            <a:prstGeom prst="rect">
+            <a:prstGeom prst="roundRect">
+              <a:avLst>
+                <a:gd name="adj" fmla="val 8096"/>
+              </a:avLst>
+            </a:prstGeom>
+            <a:noFill/>
+            <a:ln w="88900"/>
+            <a:scene3d>
+              <a:camera prst="orthographicFront">
+                <a:rot lat="10800000" lon="0" rev="0"/>
+              </a:camera>
+              <a:lightRig rig="threePt" dir="t"/>
+            </a:scene3d>
+          </p:spPr>
+          <p:style>
+            <a:lnRef idx="2">
+              <a:schemeClr val="accent1">
+                <a:shade val="50000"/>
+              </a:schemeClr>
+            </a:lnRef>
+            <a:fillRef idx="1">
+              <a:schemeClr val="accent1"/>
+            </a:fillRef>
+            <a:effectRef idx="0">
+              <a:schemeClr val="accent1"/>
+            </a:effectRef>
+            <a:fontRef idx="minor">
+              <a:schemeClr val="lt1"/>
+            </a:fontRef>
+          </p:style>
+          <p:txBody>
+            <a:bodyPr rtlCol="0" anchor="ctr"/>
+            <a:lstStyle/>
+            <a:p>
+              <a:pPr algn="ctr"/>
+              <a:endParaRPr lang="en-US"/>
+            </a:p>
+          </p:txBody>
+        </p:sp>
+        <p:sp>
+          <p:nvSpPr>
+            <p:cNvPr id="11" name="Rounded Rectangle 10"/>
+            <p:cNvSpPr/>
+            <p:nvPr/>
+          </p:nvSpPr>
+          <p:spPr>
+            <a:xfrm rot="16200000">
+              <a:off x="9053533" y="5828747"/>
+              <a:ext cx="360000" cy="360000"/>
+            </a:xfrm>
+            <a:prstGeom prst="roundRect">
               <a:avLst/>
             </a:prstGeom>
+            <a:noFill/>
+            <a:ln w="88900"/>
+            <a:scene3d>
+              <a:camera prst="orthographicFront">
+                <a:rot lat="10800000" lon="0" rev="0"/>
+              </a:camera>
+              <a:lightRig rig="threePt" dir="t"/>
+            </a:scene3d>
           </p:spPr>
-        </p:pic>
+          <p:style>
+            <a:lnRef idx="2">
+              <a:schemeClr val="accent1">
+                <a:shade val="50000"/>
+              </a:schemeClr>
+            </a:lnRef>
+            <a:fillRef idx="1">
+              <a:schemeClr val="accent1"/>
+            </a:fillRef>
+            <a:effectRef idx="0">
+              <a:schemeClr val="accent1"/>
+            </a:effectRef>
+            <a:fontRef idx="minor">
+              <a:schemeClr val="lt1"/>
+            </a:fontRef>
+          </p:style>
+          <p:txBody>
+            <a:bodyPr rtlCol="0" anchor="ctr"/>
+            <a:lstStyle/>
+            <a:p>
+              <a:pPr algn="ctr"/>
+              <a:endParaRPr lang="en-US"/>
+            </a:p>
+          </p:txBody>
+        </p:sp>
+        <p:sp>
+          <p:nvSpPr>
+            <p:cNvPr id="13" name="Rounded Rectangle 12"/>
+            <p:cNvSpPr/>
+            <p:nvPr/>
+          </p:nvSpPr>
+          <p:spPr>
+            <a:xfrm rot="16200000">
+              <a:off x="9053533" y="4645680"/>
+              <a:ext cx="360000" cy="360000"/>
+            </a:xfrm>
+            <a:prstGeom prst="roundRect">
+              <a:avLst/>
+            </a:prstGeom>
+            <a:noFill/>
+            <a:ln w="88900"/>
+            <a:scene3d>
+              <a:camera prst="orthographicFront">
+                <a:rot lat="10800000" lon="0" rev="0"/>
+              </a:camera>
+              <a:lightRig rig="threePt" dir="t"/>
+            </a:scene3d>
+          </p:spPr>
+          <p:style>
+            <a:lnRef idx="2">
+              <a:schemeClr val="accent1">
+                <a:shade val="50000"/>
+              </a:schemeClr>
+            </a:lnRef>
+            <a:fillRef idx="1">
+              <a:schemeClr val="accent1"/>
+            </a:fillRef>
+            <a:effectRef idx="0">
+              <a:schemeClr val="accent1"/>
+            </a:effectRef>
+            <a:fontRef idx="minor">
+              <a:schemeClr val="lt1"/>
+            </a:fontRef>
+          </p:style>
+          <p:txBody>
+            <a:bodyPr rtlCol="0" anchor="ctr"/>
+            <a:lstStyle/>
+            <a:p>
+              <a:pPr algn="ctr"/>
+              <a:endParaRPr lang="en-US"/>
+            </a:p>
+          </p:txBody>
+        </p:sp>
+      </p:grpSp>
+      <p:grpSp>
+        <p:nvGrpSpPr>
+          <p:cNvPr id="2" name="Group 1"/>
+          <p:cNvGrpSpPr>
+            <a:grpSpLocks noChangeAspect="1"/>
+          </p:cNvGrpSpPr>
+          <p:nvPr/>
+        </p:nvGrpSpPr>
+        <p:grpSpPr>
+          <a:xfrm>
+            <a:off x="1097760" y="5080465"/>
+            <a:ext cx="540000" cy="1260261"/>
+            <a:chOff x="9983633" y="4422427"/>
+            <a:chExt cx="864000" cy="2016418"/>
+          </a:xfrm>
+          <a:scene3d>
+            <a:camera prst="orthographicFront">
+              <a:rot lat="10800000" lon="0" rev="0"/>
+            </a:camera>
+            <a:lightRig rig="threePt" dir="t"/>
+          </a:scene3d>
+        </p:grpSpPr>
+        <p:sp>
+          <p:nvSpPr>
+            <p:cNvPr id="10" name="Rounded Rectangle 9"/>
+            <p:cNvSpPr/>
+            <p:nvPr/>
+          </p:nvSpPr>
+          <p:spPr>
+            <a:xfrm rot="16200000">
+              <a:off x="9983633" y="5574845"/>
+              <a:ext cx="864000" cy="864000"/>
+            </a:xfrm>
+            <a:prstGeom prst="roundRect">
+              <a:avLst>
+                <a:gd name="adj" fmla="val 8096"/>
+              </a:avLst>
+            </a:prstGeom>
+            <a:noFill/>
+            <a:ln w="88900"/>
+          </p:spPr>
+          <p:style>
+            <a:lnRef idx="2">
+              <a:schemeClr val="accent1">
+                <a:shade val="50000"/>
+              </a:schemeClr>
+            </a:lnRef>
+            <a:fillRef idx="1">
+              <a:schemeClr val="accent1"/>
+            </a:fillRef>
+            <a:effectRef idx="0">
+              <a:schemeClr val="accent1"/>
+            </a:effectRef>
+            <a:fontRef idx="minor">
+              <a:schemeClr val="lt1"/>
+            </a:fontRef>
+          </p:style>
+          <p:txBody>
+            <a:bodyPr rtlCol="0" anchor="ctr"/>
+            <a:lstStyle/>
+            <a:p>
+              <a:pPr algn="ctr"/>
+              <a:endParaRPr lang="en-US"/>
+            </a:p>
+          </p:txBody>
+        </p:sp>
+        <p:sp>
+          <p:nvSpPr>
+            <p:cNvPr id="12" name="Rounded Rectangle 11"/>
+            <p:cNvSpPr/>
+            <p:nvPr/>
+          </p:nvSpPr>
+          <p:spPr>
+            <a:xfrm rot="16200000">
+              <a:off x="10238086" y="5828746"/>
+              <a:ext cx="360000" cy="360000"/>
+            </a:xfrm>
+            <a:prstGeom prst="roundRect">
+              <a:avLst/>
+            </a:prstGeom>
+            <a:noFill/>
+            <a:ln w="88900"/>
+          </p:spPr>
+          <p:style>
+            <a:lnRef idx="2">
+              <a:schemeClr val="accent1">
+                <a:shade val="50000"/>
+              </a:schemeClr>
+            </a:lnRef>
+            <a:fillRef idx="1">
+              <a:schemeClr val="accent1"/>
+            </a:fillRef>
+            <a:effectRef idx="0">
+              <a:schemeClr val="accent1"/>
+            </a:effectRef>
+            <a:fontRef idx="minor">
+              <a:schemeClr val="lt1"/>
+            </a:fontRef>
+          </p:style>
+          <p:txBody>
+            <a:bodyPr rtlCol="0" anchor="ctr"/>
+            <a:lstStyle/>
+            <a:p>
+              <a:pPr algn="ctr"/>
+              <a:endParaRPr lang="en-US"/>
+            </a:p>
+          </p:txBody>
+        </p:sp>
+        <p:cxnSp>
+          <p:nvCxnSpPr>
+            <p:cNvPr id="14" name="Straight Connector 13"/>
+            <p:cNvCxnSpPr/>
+            <p:nvPr/>
+          </p:nvCxnSpPr>
+          <p:spPr>
+            <a:xfrm rot="16200000">
+              <a:off x="10415633" y="3990427"/>
+              <a:ext cx="0" cy="864000"/>
+            </a:xfrm>
+            <a:prstGeom prst="line">
+              <a:avLst/>
+            </a:prstGeom>
+            <a:ln w="88900" cap="rnd"/>
+          </p:spPr>
+          <p:style>
+            <a:lnRef idx="1">
+              <a:schemeClr val="accent1"/>
+            </a:lnRef>
+            <a:fillRef idx="0">
+              <a:schemeClr val="accent1"/>
+            </a:fillRef>
+            <a:effectRef idx="0">
+              <a:schemeClr val="accent1"/>
+            </a:effectRef>
+            <a:fontRef idx="minor">
+              <a:schemeClr val="tx1"/>
+            </a:fontRef>
+          </p:style>
+        </p:cxnSp>
+        <p:cxnSp>
+          <p:nvCxnSpPr>
+            <p:cNvPr id="15" name="Straight Connector 14"/>
+            <p:cNvCxnSpPr/>
+            <p:nvPr/>
+          </p:nvCxnSpPr>
+          <p:spPr>
+            <a:xfrm rot="16200000">
+              <a:off x="10415633" y="4793227"/>
+              <a:ext cx="0" cy="864000"/>
+            </a:xfrm>
+            <a:prstGeom prst="line">
+              <a:avLst/>
+            </a:prstGeom>
+            <a:ln w="88900" cap="rnd"/>
+          </p:spPr>
+          <p:style>
+            <a:lnRef idx="1">
+              <a:schemeClr val="accent1"/>
+            </a:lnRef>
+            <a:fillRef idx="0">
+              <a:schemeClr val="accent1"/>
+            </a:fillRef>
+            <a:effectRef idx="0">
+              <a:schemeClr val="accent1"/>
+            </a:effectRef>
+            <a:fontRef idx="minor">
+              <a:schemeClr val="tx1"/>
+            </a:fontRef>
+          </p:style>
+        </p:cxnSp>
+        <p:cxnSp>
+          <p:nvCxnSpPr>
+            <p:cNvPr id="16" name="Straight Connector 15"/>
+            <p:cNvCxnSpPr/>
+            <p:nvPr/>
+          </p:nvCxnSpPr>
+          <p:spPr>
+            <a:xfrm rot="16200000">
+              <a:off x="10415633" y="4393679"/>
+              <a:ext cx="0" cy="864000"/>
+            </a:xfrm>
+            <a:prstGeom prst="line">
+              <a:avLst/>
+            </a:prstGeom>
+            <a:ln w="88900" cap="rnd"/>
+          </p:spPr>
+          <p:style>
+            <a:lnRef idx="1">
+              <a:schemeClr val="accent1"/>
+            </a:lnRef>
+            <a:fillRef idx="0">
+              <a:schemeClr val="accent1"/>
+            </a:fillRef>
+            <a:effectRef idx="0">
+              <a:schemeClr val="accent1"/>
+            </a:effectRef>
+            <a:fontRef idx="minor">
+              <a:schemeClr val="tx1"/>
+            </a:fontRef>
+          </p:style>
+        </p:cxnSp>
       </p:grpSp>
     </p:spTree>
     <p:extLst>

--- a/pics/Launch screen.pptx
+++ b/pics/Launch screen.pptx
@@ -7,6 +7,7 @@
   <p:sldIdLst>
     <p:sldId id="256" r:id="rId2"/>
     <p:sldId id="257" r:id="rId3"/>
+    <p:sldId id="258" r:id="rId4"/>
   </p:sldIdLst>
   <p:sldSz cx="9144000" cy="6858000" type="screen4x3"/>
   <p:notesSz cx="6858000" cy="9144000"/>
@@ -305,7 +306,7 @@
           <a:p>
             <a:fld id="{9FF34AC4-D8C8-472C-967E-C5204768A306}" type="datetimeFigureOut">
               <a:rPr lang="ru-RU" smtClean="0"/>
-              <a:t>19.10.2018</a:t>
+              <a:t>25.10.2018</a:t>
             </a:fld>
             <a:endParaRPr lang="ru-RU"/>
           </a:p>
@@ -475,7 +476,7 @@
           <a:p>
             <a:fld id="{9FF34AC4-D8C8-472C-967E-C5204768A306}" type="datetimeFigureOut">
               <a:rPr lang="ru-RU" smtClean="0"/>
-              <a:t>19.10.2018</a:t>
+              <a:t>25.10.2018</a:t>
             </a:fld>
             <a:endParaRPr lang="ru-RU"/>
           </a:p>
@@ -655,7 +656,7 @@
           <a:p>
             <a:fld id="{9FF34AC4-D8C8-472C-967E-C5204768A306}" type="datetimeFigureOut">
               <a:rPr lang="ru-RU" smtClean="0"/>
-              <a:t>19.10.2018</a:t>
+              <a:t>25.10.2018</a:t>
             </a:fld>
             <a:endParaRPr lang="ru-RU"/>
           </a:p>
@@ -825,7 +826,7 @@
           <a:p>
             <a:fld id="{9FF34AC4-D8C8-472C-967E-C5204768A306}" type="datetimeFigureOut">
               <a:rPr lang="ru-RU" smtClean="0"/>
-              <a:t>19.10.2018</a:t>
+              <a:t>25.10.2018</a:t>
             </a:fld>
             <a:endParaRPr lang="ru-RU"/>
           </a:p>
@@ -1071,7 +1072,7 @@
           <a:p>
             <a:fld id="{9FF34AC4-D8C8-472C-967E-C5204768A306}" type="datetimeFigureOut">
               <a:rPr lang="ru-RU" smtClean="0"/>
-              <a:t>19.10.2018</a:t>
+              <a:t>25.10.2018</a:t>
             </a:fld>
             <a:endParaRPr lang="ru-RU"/>
           </a:p>
@@ -1359,7 +1360,7 @@
           <a:p>
             <a:fld id="{9FF34AC4-D8C8-472C-967E-C5204768A306}" type="datetimeFigureOut">
               <a:rPr lang="ru-RU" smtClean="0"/>
-              <a:t>19.10.2018</a:t>
+              <a:t>25.10.2018</a:t>
             </a:fld>
             <a:endParaRPr lang="ru-RU"/>
           </a:p>
@@ -1781,7 +1782,7 @@
           <a:p>
             <a:fld id="{9FF34AC4-D8C8-472C-967E-C5204768A306}" type="datetimeFigureOut">
               <a:rPr lang="ru-RU" smtClean="0"/>
-              <a:t>19.10.2018</a:t>
+              <a:t>25.10.2018</a:t>
             </a:fld>
             <a:endParaRPr lang="ru-RU"/>
           </a:p>
@@ -1899,7 +1900,7 @@
           <a:p>
             <a:fld id="{9FF34AC4-D8C8-472C-967E-C5204768A306}" type="datetimeFigureOut">
               <a:rPr lang="ru-RU" smtClean="0"/>
-              <a:t>19.10.2018</a:t>
+              <a:t>25.10.2018</a:t>
             </a:fld>
             <a:endParaRPr lang="ru-RU"/>
           </a:p>
@@ -1994,7 +1995,7 @@
           <a:p>
             <a:fld id="{9FF34AC4-D8C8-472C-967E-C5204768A306}" type="datetimeFigureOut">
               <a:rPr lang="ru-RU" smtClean="0"/>
-              <a:t>19.10.2018</a:t>
+              <a:t>25.10.2018</a:t>
             </a:fld>
             <a:endParaRPr lang="ru-RU"/>
           </a:p>
@@ -2271,7 +2272,7 @@
           <a:p>
             <a:fld id="{9FF34AC4-D8C8-472C-967E-C5204768A306}" type="datetimeFigureOut">
               <a:rPr lang="ru-RU" smtClean="0"/>
-              <a:t>19.10.2018</a:t>
+              <a:t>25.10.2018</a:t>
             </a:fld>
             <a:endParaRPr lang="ru-RU"/>
           </a:p>
@@ -2524,7 +2525,7 @@
           <a:p>
             <a:fld id="{9FF34AC4-D8C8-472C-967E-C5204768A306}" type="datetimeFigureOut">
               <a:rPr lang="ru-RU" smtClean="0"/>
-              <a:t>19.10.2018</a:t>
+              <a:t>25.10.2018</a:t>
             </a:fld>
             <a:endParaRPr lang="ru-RU"/>
           </a:p>
@@ -2737,7 +2738,7 @@
           <a:p>
             <a:fld id="{9FF34AC4-D8C8-472C-967E-C5204768A306}" type="datetimeFigureOut">
               <a:rPr lang="ru-RU" smtClean="0"/>
-              <a:t>19.10.2018</a:t>
+              <a:t>25.10.2018</a:t>
             </a:fld>
             <a:endParaRPr lang="ru-RU"/>
           </a:p>
@@ -3112,6 +3113,52 @@
           <a:chExt cx="0" cy="0"/>
         </a:xfrm>
       </p:grpSpPr>
+      <p:sp>
+        <p:nvSpPr>
+          <p:cNvPr id="4" name="Прямоугольник 3"/>
+          <p:cNvSpPr/>
+          <p:nvPr/>
+        </p:nvSpPr>
+        <p:spPr>
+          <a:xfrm>
+            <a:off x="2987824" y="1626870"/>
+            <a:ext cx="3600000" cy="3600000"/>
+          </a:xfrm>
+          <a:prstGeom prst="rect">
+            <a:avLst/>
+          </a:prstGeom>
+          <a:solidFill>
+            <a:srgbClr val="475CB7"/>
+          </a:solidFill>
+          <a:ln>
+            <a:noFill/>
+          </a:ln>
+        </p:spPr>
+        <p:style>
+          <a:lnRef idx="2">
+            <a:schemeClr val="accent1">
+              <a:shade val="50000"/>
+            </a:schemeClr>
+          </a:lnRef>
+          <a:fillRef idx="1">
+            <a:schemeClr val="accent1"/>
+          </a:fillRef>
+          <a:effectRef idx="0">
+            <a:schemeClr val="accent1"/>
+          </a:effectRef>
+          <a:fontRef idx="minor">
+            <a:schemeClr val="lt1"/>
+          </a:fontRef>
+        </p:style>
+        <p:txBody>
+          <a:bodyPr rtlCol="0" anchor="ctr"/>
+          <a:lstStyle/>
+          <a:p>
+            <a:pPr algn="ctr"/>
+            <a:endParaRPr lang="ru-RU"/>
+          </a:p>
+        </p:txBody>
+      </p:sp>
       <p:grpSp>
         <p:nvGrpSpPr>
           <p:cNvPr id="9" name="Group 8"/>
@@ -3120,7 +3167,7 @@
         </p:nvGrpSpPr>
         <p:grpSpPr>
           <a:xfrm>
-            <a:off x="5000400" y="3622400"/>
+            <a:off x="3520313" y="3544329"/>
             <a:ext cx="272340" cy="612000"/>
             <a:chOff x="4911694" y="3640566"/>
             <a:chExt cx="272340" cy="612000"/>
@@ -3611,52 +3658,6 @@
       </p:grpSp>
       <p:sp>
         <p:nvSpPr>
-          <p:cNvPr id="4" name="Прямоугольник 3"/>
-          <p:cNvSpPr/>
-          <p:nvPr/>
-        </p:nvSpPr>
-        <p:spPr>
-          <a:xfrm>
-            <a:off x="3075445" y="1412776"/>
-            <a:ext cx="3600000" cy="3600000"/>
-          </a:xfrm>
-          <a:prstGeom prst="rect">
-            <a:avLst/>
-          </a:prstGeom>
-          <a:solidFill>
-            <a:srgbClr val="475CB7"/>
-          </a:solidFill>
-          <a:ln>
-            <a:noFill/>
-          </a:ln>
-        </p:spPr>
-        <p:style>
-          <a:lnRef idx="2">
-            <a:schemeClr val="accent1">
-              <a:shade val="50000"/>
-            </a:schemeClr>
-          </a:lnRef>
-          <a:fillRef idx="1">
-            <a:schemeClr val="accent1"/>
-          </a:fillRef>
-          <a:effectRef idx="0">
-            <a:schemeClr val="accent1"/>
-          </a:effectRef>
-          <a:fontRef idx="minor">
-            <a:schemeClr val="lt1"/>
-          </a:fontRef>
-        </p:style>
-        <p:txBody>
-          <a:bodyPr rtlCol="0" anchor="ctr"/>
-          <a:lstStyle/>
-          <a:p>
-            <a:pPr algn="ctr"/>
-            <a:endParaRPr lang="ru-RU"/>
-          </a:p>
-        </p:txBody>
-      </p:sp>
-      <p:sp>
-        <p:nvSpPr>
           <p:cNvPr id="3" name="Rectangle 2"/>
           <p:cNvSpPr/>
           <p:nvPr/>
@@ -3699,217 +3700,222 @@
           </a:p>
         </p:txBody>
       </p:sp>
-      <p:grpSp>
-        <p:nvGrpSpPr>
-          <p:cNvPr id="34" name="Group 33"/>
-          <p:cNvGrpSpPr>
-            <a:grpSpLocks noChangeAspect="1"/>
-          </p:cNvGrpSpPr>
+      <p:sp>
+        <p:nvSpPr>
+          <p:cNvPr id="35" name="Rounded Rectangle 34"/>
+          <p:cNvSpPr/>
           <p:nvPr/>
-        </p:nvGrpSpPr>
-        <p:grpSpPr>
-          <a:xfrm>
-            <a:off x="4471926" y="3622400"/>
-            <a:ext cx="258305" cy="612000"/>
-            <a:chOff x="8801533" y="4393680"/>
-            <a:chExt cx="864000" cy="2047067"/>
+        </p:nvSpPr>
+        <p:spPr>
+          <a:xfrm rot="16200000">
+            <a:off x="4471926" y="3989695"/>
+            <a:ext cx="258305" cy="258305"/>
           </a:xfrm>
+          <a:prstGeom prst="roundRect">
+            <a:avLst>
+              <a:gd name="adj" fmla="val 8096"/>
+            </a:avLst>
+          </a:prstGeom>
+          <a:noFill/>
+          <a:ln w="31750">
+            <a:solidFill>
+              <a:srgbClr val="B3E6D5"/>
+            </a:solidFill>
+          </a:ln>
           <a:scene3d>
             <a:camera prst="orthographicFront">
               <a:rot lat="0" lon="0" rev="0"/>
             </a:camera>
             <a:lightRig rig="threePt" dir="t"/>
           </a:scene3d>
-        </p:grpSpPr>
-        <p:sp>
-          <p:nvSpPr>
-            <p:cNvPr id="35" name="Rounded Rectangle 34"/>
-            <p:cNvSpPr/>
-            <p:nvPr/>
-          </p:nvSpPr>
-          <p:spPr>
-            <a:xfrm rot="16200000">
-              <a:off x="8801533" y="5576747"/>
-              <a:ext cx="864000" cy="864000"/>
-            </a:xfrm>
-            <a:prstGeom prst="roundRect">
-              <a:avLst>
-                <a:gd name="adj" fmla="val 8096"/>
-              </a:avLst>
-            </a:prstGeom>
+        </p:spPr>
+        <p:style>
+          <a:lnRef idx="2">
+            <a:schemeClr val="accent1">
+              <a:shade val="50000"/>
+            </a:schemeClr>
+          </a:lnRef>
+          <a:fillRef idx="1">
+            <a:schemeClr val="accent1"/>
+          </a:fillRef>
+          <a:effectRef idx="0">
+            <a:schemeClr val="accent1"/>
+          </a:effectRef>
+          <a:fontRef idx="minor">
+            <a:schemeClr val="lt1"/>
+          </a:fontRef>
+        </p:style>
+        <p:txBody>
+          <a:bodyPr rtlCol="0" anchor="ctr"/>
+          <a:lstStyle/>
+          <a:p>
+            <a:pPr algn="ctr"/>
+            <a:endParaRPr lang="en-US"/>
+          </a:p>
+        </p:txBody>
+      </p:sp>
+      <p:sp>
+        <p:nvSpPr>
+          <p:cNvPr id="36" name="Rounded Rectangle 35"/>
+          <p:cNvSpPr/>
+          <p:nvPr/>
+        </p:nvSpPr>
+        <p:spPr>
+          <a:xfrm rot="16200000">
+            <a:off x="4471926" y="3636000"/>
+            <a:ext cx="258305" cy="258305"/>
+          </a:xfrm>
+          <a:prstGeom prst="roundRect">
+            <a:avLst>
+              <a:gd name="adj" fmla="val 8096"/>
+            </a:avLst>
+          </a:prstGeom>
+          <a:noFill/>
+          <a:ln w="31750">
+            <a:solidFill>
+              <a:srgbClr val="B3E6D5"/>
+            </a:solidFill>
+          </a:ln>
+          <a:scene3d>
+            <a:camera prst="orthographicFront">
+              <a:rot lat="0" lon="0" rev="0"/>
+            </a:camera>
+            <a:lightRig rig="threePt" dir="t"/>
+          </a:scene3d>
+        </p:spPr>
+        <p:style>
+          <a:lnRef idx="2">
+            <a:schemeClr val="accent1">
+              <a:shade val="50000"/>
+            </a:schemeClr>
+          </a:lnRef>
+          <a:fillRef idx="1">
+            <a:schemeClr val="accent1"/>
+          </a:fillRef>
+          <a:effectRef idx="0">
+            <a:schemeClr val="accent1"/>
+          </a:effectRef>
+          <a:fontRef idx="minor">
+            <a:schemeClr val="lt1"/>
+          </a:fontRef>
+        </p:style>
+        <p:txBody>
+          <a:bodyPr rtlCol="0" anchor="ctr"/>
+          <a:lstStyle/>
+          <a:p>
+            <a:pPr algn="ctr"/>
+            <a:endParaRPr lang="en-US"/>
+          </a:p>
+        </p:txBody>
+      </p:sp>
+      <p:sp>
+        <p:nvSpPr>
+          <p:cNvPr id="38" name="Rounded Rectangle 37"/>
+          <p:cNvSpPr>
+            <a:spLocks noChangeAspect="1"/>
+          </p:cNvSpPr>
+          <p:nvPr/>
+        </p:nvSpPr>
+        <p:spPr>
+          <a:xfrm rot="16200000">
+            <a:off x="4550400" y="4068000"/>
+            <a:ext cx="100800" cy="100800"/>
+          </a:xfrm>
+          <a:prstGeom prst="roundRect">
+            <a:avLst/>
+          </a:prstGeom>
+          <a:solidFill>
+            <a:srgbClr val="B9EADA"/>
+          </a:solidFill>
+          <a:ln w="31750">
             <a:noFill/>
-            <a:ln w="38100">
-              <a:solidFill>
-                <a:srgbClr val="B3E6D5"/>
-              </a:solidFill>
-            </a:ln>
-          </p:spPr>
-          <p:style>
-            <a:lnRef idx="2">
-              <a:schemeClr val="accent1">
-                <a:shade val="50000"/>
-              </a:schemeClr>
-            </a:lnRef>
-            <a:fillRef idx="1">
-              <a:schemeClr val="accent1"/>
-            </a:fillRef>
-            <a:effectRef idx="0">
-              <a:schemeClr val="accent1"/>
-            </a:effectRef>
-            <a:fontRef idx="minor">
-              <a:schemeClr val="lt1"/>
-            </a:fontRef>
-          </p:style>
-          <p:txBody>
-            <a:bodyPr rtlCol="0" anchor="ctr"/>
-            <a:lstStyle/>
-            <a:p>
-              <a:pPr algn="ctr"/>
-              <a:endParaRPr lang="en-US"/>
-            </a:p>
-          </p:txBody>
-        </p:sp>
-        <p:sp>
-          <p:nvSpPr>
-            <p:cNvPr id="36" name="Rounded Rectangle 35"/>
-            <p:cNvSpPr/>
-            <p:nvPr/>
-          </p:nvSpPr>
-          <p:spPr>
-            <a:xfrm rot="16200000">
-              <a:off x="8801533" y="4393680"/>
-              <a:ext cx="864000" cy="864000"/>
-            </a:xfrm>
-            <a:prstGeom prst="roundRect">
-              <a:avLst>
-                <a:gd name="adj" fmla="val 8096"/>
-              </a:avLst>
-            </a:prstGeom>
+          </a:ln>
+          <a:scene3d>
+            <a:camera prst="orthographicFront">
+              <a:rot lat="0" lon="0" rev="0"/>
+            </a:camera>
+            <a:lightRig rig="threePt" dir="t"/>
+          </a:scene3d>
+        </p:spPr>
+        <p:style>
+          <a:lnRef idx="2">
+            <a:schemeClr val="accent1">
+              <a:shade val="50000"/>
+            </a:schemeClr>
+          </a:lnRef>
+          <a:fillRef idx="1">
+            <a:schemeClr val="accent1"/>
+          </a:fillRef>
+          <a:effectRef idx="0">
+            <a:schemeClr val="accent1"/>
+          </a:effectRef>
+          <a:fontRef idx="minor">
+            <a:schemeClr val="lt1"/>
+          </a:fontRef>
+        </p:style>
+        <p:txBody>
+          <a:bodyPr rtlCol="0" anchor="ctr"/>
+          <a:lstStyle/>
+          <a:p>
+            <a:pPr algn="ctr"/>
+            <a:endParaRPr lang="en-US"/>
+          </a:p>
+        </p:txBody>
+      </p:sp>
+      <p:sp>
+        <p:nvSpPr>
+          <p:cNvPr id="39" name="Rounded Rectangle 38"/>
+          <p:cNvSpPr>
+            <a:spLocks noChangeAspect="1"/>
+          </p:cNvSpPr>
+          <p:nvPr/>
+        </p:nvSpPr>
+        <p:spPr>
+          <a:xfrm rot="16200000">
+            <a:off x="4550400" y="3715200"/>
+            <a:ext cx="100800" cy="100800"/>
+          </a:xfrm>
+          <a:prstGeom prst="roundRect">
+            <a:avLst/>
+          </a:prstGeom>
+          <a:solidFill>
+            <a:srgbClr val="B9EADA"/>
+          </a:solidFill>
+          <a:ln w="31750">
             <a:noFill/>
-            <a:ln w="38100">
-              <a:solidFill>
-                <a:srgbClr val="B3E6D5"/>
-              </a:solidFill>
-            </a:ln>
-          </p:spPr>
-          <p:style>
-            <a:lnRef idx="2">
-              <a:schemeClr val="accent1">
-                <a:shade val="50000"/>
-              </a:schemeClr>
-            </a:lnRef>
-            <a:fillRef idx="1">
-              <a:schemeClr val="accent1"/>
-            </a:fillRef>
-            <a:effectRef idx="0">
-              <a:schemeClr val="accent1"/>
-            </a:effectRef>
-            <a:fontRef idx="minor">
-              <a:schemeClr val="lt1"/>
-            </a:fontRef>
-          </p:style>
-          <p:txBody>
-            <a:bodyPr rtlCol="0" anchor="ctr"/>
-            <a:lstStyle/>
-            <a:p>
-              <a:pPr algn="ctr"/>
-              <a:endParaRPr lang="en-US"/>
-            </a:p>
-          </p:txBody>
-        </p:sp>
-        <p:sp>
-          <p:nvSpPr>
-            <p:cNvPr id="38" name="Rounded Rectangle 37"/>
-            <p:cNvSpPr/>
-            <p:nvPr/>
-          </p:nvSpPr>
-          <p:spPr>
-            <a:xfrm rot="16200000">
-              <a:off x="9053533" y="5828747"/>
-              <a:ext cx="360000" cy="360000"/>
-            </a:xfrm>
-            <a:prstGeom prst="roundRect">
-              <a:avLst/>
-            </a:prstGeom>
-            <a:noFill/>
-            <a:ln w="38100">
-              <a:solidFill>
-                <a:srgbClr val="B3E6D5"/>
-              </a:solidFill>
-            </a:ln>
-          </p:spPr>
-          <p:style>
-            <a:lnRef idx="2">
-              <a:schemeClr val="accent1">
-                <a:shade val="50000"/>
-              </a:schemeClr>
-            </a:lnRef>
-            <a:fillRef idx="1">
-              <a:schemeClr val="accent1"/>
-            </a:fillRef>
-            <a:effectRef idx="0">
-              <a:schemeClr val="accent1"/>
-            </a:effectRef>
-            <a:fontRef idx="minor">
-              <a:schemeClr val="lt1"/>
-            </a:fontRef>
-          </p:style>
-          <p:txBody>
-            <a:bodyPr rtlCol="0" anchor="ctr"/>
-            <a:lstStyle/>
-            <a:p>
-              <a:pPr algn="ctr"/>
-              <a:endParaRPr lang="en-US"/>
-            </a:p>
-          </p:txBody>
-        </p:sp>
-        <p:sp>
-          <p:nvSpPr>
-            <p:cNvPr id="39" name="Rounded Rectangle 38"/>
-            <p:cNvSpPr/>
-            <p:nvPr/>
-          </p:nvSpPr>
-          <p:spPr>
-            <a:xfrm rot="16200000">
-              <a:off x="9053533" y="4645680"/>
-              <a:ext cx="360000" cy="360000"/>
-            </a:xfrm>
-            <a:prstGeom prst="roundRect">
-              <a:avLst/>
-            </a:prstGeom>
-            <a:noFill/>
-            <a:ln w="38100">
-              <a:solidFill>
-                <a:srgbClr val="B3E6D5"/>
-              </a:solidFill>
-            </a:ln>
-          </p:spPr>
-          <p:style>
-            <a:lnRef idx="2">
-              <a:schemeClr val="accent1">
-                <a:shade val="50000"/>
-              </a:schemeClr>
-            </a:lnRef>
-            <a:fillRef idx="1">
-              <a:schemeClr val="accent1"/>
-            </a:fillRef>
-            <a:effectRef idx="0">
-              <a:schemeClr val="accent1"/>
-            </a:effectRef>
-            <a:fontRef idx="minor">
-              <a:schemeClr val="lt1"/>
-            </a:fontRef>
-          </p:style>
-          <p:txBody>
-            <a:bodyPr rtlCol="0" anchor="ctr"/>
-            <a:lstStyle/>
-            <a:p>
-              <a:pPr algn="ctr"/>
-              <a:endParaRPr lang="en-US"/>
-            </a:p>
-          </p:txBody>
-        </p:sp>
-      </p:grpSp>
+          </a:ln>
+          <a:scene3d>
+            <a:camera prst="orthographicFront">
+              <a:rot lat="0" lon="0" rev="0"/>
+            </a:camera>
+            <a:lightRig rig="threePt" dir="t"/>
+          </a:scene3d>
+        </p:spPr>
+        <p:style>
+          <a:lnRef idx="2">
+            <a:schemeClr val="accent1">
+              <a:shade val="50000"/>
+            </a:schemeClr>
+          </a:lnRef>
+          <a:fillRef idx="1">
+            <a:schemeClr val="accent1"/>
+          </a:fillRef>
+          <a:effectRef idx="0">
+            <a:schemeClr val="accent1"/>
+          </a:effectRef>
+          <a:fontRef idx="minor">
+            <a:schemeClr val="lt1"/>
+          </a:fontRef>
+        </p:style>
+        <p:txBody>
+          <a:bodyPr rtlCol="0" anchor="ctr"/>
+          <a:lstStyle/>
+          <a:p>
+            <a:pPr algn="ctr"/>
+            <a:endParaRPr lang="en-US"/>
+          </a:p>
+        </p:txBody>
+      </p:sp>
       <p:grpSp>
         <p:nvGrpSpPr>
           <p:cNvPr id="11" name="Группа 10"/>
@@ -4152,7 +4158,7 @@
           <a:prstGeom prst="line">
             <a:avLst/>
           </a:prstGeom>
-          <a:ln w="25400">
+          <a:ln w="28575" cap="rnd">
             <a:solidFill>
               <a:srgbClr val="B3E6D5"/>
             </a:solidFill>
@@ -4189,7 +4195,7 @@
           <a:prstGeom prst="line">
             <a:avLst/>
           </a:prstGeom>
-          <a:ln w="25400">
+          <a:ln w="28575" cap="rnd">
             <a:solidFill>
               <a:srgbClr val="B3E6D5"/>
             </a:solidFill>
@@ -4226,7 +4232,7 @@
           <a:prstGeom prst="line">
             <a:avLst/>
           </a:prstGeom>
-          <a:ln w="25400">
+          <a:ln w="28575" cap="rnd">
             <a:solidFill>
               <a:srgbClr val="B3E6D5"/>
             </a:solidFill>
@@ -4290,7 +4296,7 @@
         </p:nvCxnSpPr>
         <p:spPr>
           <a:xfrm flipH="1" flipV="1">
-            <a:off x="5272740" y="2060848"/>
+            <a:off x="5451667" y="2132856"/>
             <a:ext cx="512517" cy="0"/>
           </a:xfrm>
           <a:prstGeom prst="line">
@@ -4319,25 +4325,17 @@
       </p:cxnSp>
       <p:grpSp>
         <p:nvGrpSpPr>
-          <p:cNvPr id="40" name="Group 39"/>
-          <p:cNvGrpSpPr>
-            <a:grpSpLocks noChangeAspect="1"/>
-          </p:cNvGrpSpPr>
+          <p:cNvPr id="32" name="Group 31"/>
+          <p:cNvGrpSpPr/>
           <p:nvPr/>
         </p:nvGrpSpPr>
         <p:grpSpPr>
           <a:xfrm>
-            <a:off x="5008746" y="3629616"/>
-            <a:ext cx="262231" cy="612000"/>
-            <a:chOff x="9983633" y="4422427"/>
-            <a:chExt cx="864000" cy="2016418"/>
+            <a:off x="3576909" y="2414322"/>
+            <a:ext cx="262231" cy="262231"/>
+            <a:chOff x="3567789" y="2756678"/>
+            <a:chExt cx="262231" cy="262231"/>
           </a:xfrm>
-          <a:scene3d>
-            <a:camera prst="orthographicFront">
-              <a:rot lat="10800000" lon="0" rev="0"/>
-            </a:camera>
-            <a:lightRig rig="threePt" dir="t"/>
-          </a:scene3d>
         </p:grpSpPr>
         <p:sp>
           <p:nvSpPr>
@@ -4347,8 +4345,8 @@
           </p:nvSpPr>
           <p:spPr>
             <a:xfrm rot="16200000">
-              <a:off x="9983633" y="5574845"/>
-              <a:ext cx="864000" cy="864000"/>
+              <a:off x="3567789" y="2756678"/>
+              <a:ext cx="262231" cy="262231"/>
             </a:xfrm>
             <a:prstGeom prst="roundRect">
               <a:avLst>
@@ -4356,11 +4354,17 @@
               </a:avLst>
             </a:prstGeom>
             <a:noFill/>
-            <a:ln w="38100">
+            <a:ln w="31750">
               <a:solidFill>
                 <a:srgbClr val="B3E6D5"/>
               </a:solidFill>
             </a:ln>
+            <a:scene3d>
+              <a:camera prst="orthographicFront">
+                <a:rot lat="0" lon="0" rev="0"/>
+              </a:camera>
+              <a:lightRig rig="threePt" dir="t"/>
+            </a:scene3d>
           </p:spPr>
           <p:style>
             <a:lnRef idx="2">
@@ -4395,18 +4399,24 @@
           </p:nvSpPr>
           <p:spPr>
             <a:xfrm rot="16200000">
-              <a:off x="10238086" y="5828746"/>
-              <a:ext cx="360000" cy="360000"/>
+              <a:off x="3645017" y="2833739"/>
+              <a:ext cx="109263" cy="109263"/>
             </a:xfrm>
             <a:prstGeom prst="roundRect">
               <a:avLst/>
             </a:prstGeom>
             <a:noFill/>
-            <a:ln w="38100">
+            <a:ln w="31750">
               <a:solidFill>
                 <a:srgbClr val="B3E6D5"/>
               </a:solidFill>
             </a:ln>
+            <a:scene3d>
+              <a:camera prst="orthographicFront">
+                <a:rot lat="0" lon="0" rev="0"/>
+              </a:camera>
+              <a:lightRig rig="threePt" dir="t"/>
+            </a:scene3d>
           </p:spPr>
           <p:style>
             <a:lnRef idx="2">
@@ -4433,6 +4443,21 @@
             </a:p>
           </p:txBody>
         </p:sp>
+      </p:grpSp>
+      <p:grpSp>
+        <p:nvGrpSpPr>
+          <p:cNvPr id="2" name="Group 1"/>
+          <p:cNvGrpSpPr/>
+          <p:nvPr/>
+        </p:nvGrpSpPr>
+        <p:grpSpPr>
+          <a:xfrm>
+            <a:off x="3570906" y="2773989"/>
+            <a:ext cx="262231" cy="243656"/>
+            <a:chOff x="3567789" y="2406910"/>
+            <a:chExt cx="262231" cy="243656"/>
+          </a:xfrm>
+        </p:grpSpPr>
         <p:cxnSp>
           <p:nvCxnSpPr>
             <p:cNvPr id="43" name="Straight Connector 42"/>
@@ -4441,17 +4466,23 @@
           </p:nvCxnSpPr>
           <p:spPr>
             <a:xfrm rot="16200000">
-              <a:off x="10415633" y="3990427"/>
-              <a:ext cx="0" cy="864000"/>
+              <a:off x="3698905" y="2275794"/>
+              <a:ext cx="0" cy="262231"/>
             </a:xfrm>
             <a:prstGeom prst="line">
               <a:avLst/>
             </a:prstGeom>
-            <a:ln w="38100" cap="rnd">
+            <a:ln w="31750" cap="rnd">
               <a:solidFill>
                 <a:srgbClr val="B3E6D5"/>
               </a:solidFill>
             </a:ln>
+            <a:scene3d>
+              <a:camera prst="orthographicFront">
+                <a:rot lat="0" lon="0" rev="0"/>
+              </a:camera>
+              <a:lightRig rig="threePt" dir="t"/>
+            </a:scene3d>
           </p:spPr>
           <p:style>
             <a:lnRef idx="1">
@@ -4476,17 +4507,23 @@
           </p:nvCxnSpPr>
           <p:spPr>
             <a:xfrm rot="16200000">
-              <a:off x="10415633" y="4793227"/>
-              <a:ext cx="0" cy="864000"/>
+              <a:off x="3698905" y="2519450"/>
+              <a:ext cx="0" cy="262231"/>
             </a:xfrm>
             <a:prstGeom prst="line">
               <a:avLst/>
             </a:prstGeom>
-            <a:ln w="38100" cap="rnd">
+            <a:ln w="31750" cap="rnd">
               <a:solidFill>
                 <a:srgbClr val="B3E6D5"/>
               </a:solidFill>
             </a:ln>
+            <a:scene3d>
+              <a:camera prst="orthographicFront">
+                <a:rot lat="0" lon="0" rev="0"/>
+              </a:camera>
+              <a:lightRig rig="threePt" dir="t"/>
+            </a:scene3d>
           </p:spPr>
           <p:style>
             <a:lnRef idx="1">
@@ -4511,17 +4548,23 @@
           </p:nvCxnSpPr>
           <p:spPr>
             <a:xfrm rot="16200000">
-              <a:off x="10415633" y="4393679"/>
-              <a:ext cx="0" cy="864000"/>
+              <a:off x="3698905" y="2398184"/>
+              <a:ext cx="0" cy="262231"/>
             </a:xfrm>
             <a:prstGeom prst="line">
               <a:avLst/>
             </a:prstGeom>
-            <a:ln w="38100" cap="rnd">
+            <a:ln w="31750" cap="rnd">
               <a:solidFill>
                 <a:srgbClr val="B3E6D5"/>
               </a:solidFill>
             </a:ln>
+            <a:scene3d>
+              <a:camera prst="orthographicFront">
+                <a:rot lat="0" lon="0" rev="0"/>
+              </a:camera>
+              <a:lightRig rig="threePt" dir="t"/>
+            </a:scene3d>
           </p:spPr>
           <p:style>
             <a:lnRef idx="1">
@@ -4584,7 +4627,7 @@
         </p:nvGrpSpPr>
         <p:grpSpPr>
           <a:xfrm>
-            <a:off x="4065355" y="2403182"/>
+            <a:off x="2479050" y="2375803"/>
             <a:ext cx="1620180" cy="2064208"/>
             <a:chOff x="4067944" y="2395442"/>
             <a:chExt cx="1620180" cy="2064208"/>
@@ -5171,6 +5214,595 @@
           </a:p>
         </p:txBody>
       </p:sp>
+      <p:grpSp>
+        <p:nvGrpSpPr>
+          <p:cNvPr id="47" name="Group 46"/>
+          <p:cNvGrpSpPr>
+            <a:grpSpLocks noChangeAspect="1"/>
+          </p:cNvGrpSpPr>
+          <p:nvPr/>
+        </p:nvGrpSpPr>
+        <p:grpSpPr>
+          <a:xfrm>
+            <a:off x="3228339" y="2414323"/>
+            <a:ext cx="258305" cy="612000"/>
+            <a:chOff x="8801533" y="4393680"/>
+            <a:chExt cx="864000" cy="2047067"/>
+          </a:xfrm>
+          <a:scene3d>
+            <a:camera prst="orthographicFront">
+              <a:rot lat="0" lon="0" rev="0"/>
+            </a:camera>
+            <a:lightRig rig="threePt" dir="t"/>
+          </a:scene3d>
+        </p:grpSpPr>
+        <p:sp>
+          <p:nvSpPr>
+            <p:cNvPr id="49" name="Rounded Rectangle 48"/>
+            <p:cNvSpPr/>
+            <p:nvPr/>
+          </p:nvSpPr>
+          <p:spPr>
+            <a:xfrm rot="16200000">
+              <a:off x="8801533" y="5576747"/>
+              <a:ext cx="864000" cy="864000"/>
+            </a:xfrm>
+            <a:prstGeom prst="roundRect">
+              <a:avLst>
+                <a:gd name="adj" fmla="val 8096"/>
+              </a:avLst>
+            </a:prstGeom>
+            <a:noFill/>
+            <a:ln w="31750">
+              <a:solidFill>
+                <a:srgbClr val="B3E6D5"/>
+              </a:solidFill>
+            </a:ln>
+          </p:spPr>
+          <p:style>
+            <a:lnRef idx="2">
+              <a:schemeClr val="accent1">
+                <a:shade val="50000"/>
+              </a:schemeClr>
+            </a:lnRef>
+            <a:fillRef idx="1">
+              <a:schemeClr val="accent1"/>
+            </a:fillRef>
+            <a:effectRef idx="0">
+              <a:schemeClr val="accent1"/>
+            </a:effectRef>
+            <a:fontRef idx="minor">
+              <a:schemeClr val="lt1"/>
+            </a:fontRef>
+          </p:style>
+          <p:txBody>
+            <a:bodyPr rtlCol="0" anchor="ctr"/>
+            <a:lstStyle/>
+            <a:p>
+              <a:pPr algn="ctr"/>
+              <a:endParaRPr lang="en-US"/>
+            </a:p>
+          </p:txBody>
+        </p:sp>
+        <p:sp>
+          <p:nvSpPr>
+            <p:cNvPr id="50" name="Rounded Rectangle 49"/>
+            <p:cNvSpPr/>
+            <p:nvPr/>
+          </p:nvSpPr>
+          <p:spPr>
+            <a:xfrm rot="16200000">
+              <a:off x="8801533" y="4393680"/>
+              <a:ext cx="864000" cy="864000"/>
+            </a:xfrm>
+            <a:prstGeom prst="roundRect">
+              <a:avLst>
+                <a:gd name="adj" fmla="val 8096"/>
+              </a:avLst>
+            </a:prstGeom>
+            <a:noFill/>
+            <a:ln w="31750">
+              <a:solidFill>
+                <a:srgbClr val="B3E6D5"/>
+              </a:solidFill>
+            </a:ln>
+          </p:spPr>
+          <p:style>
+            <a:lnRef idx="2">
+              <a:schemeClr val="accent1">
+                <a:shade val="50000"/>
+              </a:schemeClr>
+            </a:lnRef>
+            <a:fillRef idx="1">
+              <a:schemeClr val="accent1"/>
+            </a:fillRef>
+            <a:effectRef idx="0">
+              <a:schemeClr val="accent1"/>
+            </a:effectRef>
+            <a:fontRef idx="minor">
+              <a:schemeClr val="lt1"/>
+            </a:fontRef>
+          </p:style>
+          <p:txBody>
+            <a:bodyPr rtlCol="0" anchor="ctr"/>
+            <a:lstStyle/>
+            <a:p>
+              <a:pPr algn="ctr"/>
+              <a:endParaRPr lang="en-US"/>
+            </a:p>
+          </p:txBody>
+        </p:sp>
+        <p:sp>
+          <p:nvSpPr>
+            <p:cNvPr id="51" name="Rounded Rectangle 50"/>
+            <p:cNvSpPr/>
+            <p:nvPr/>
+          </p:nvSpPr>
+          <p:spPr>
+            <a:xfrm rot="16200000">
+              <a:off x="9053533" y="5828747"/>
+              <a:ext cx="360000" cy="360000"/>
+            </a:xfrm>
+            <a:prstGeom prst="roundRect">
+              <a:avLst/>
+            </a:prstGeom>
+            <a:noFill/>
+            <a:ln w="31750">
+              <a:solidFill>
+                <a:srgbClr val="B3E6D5"/>
+              </a:solidFill>
+            </a:ln>
+          </p:spPr>
+          <p:style>
+            <a:lnRef idx="2">
+              <a:schemeClr val="accent1">
+                <a:shade val="50000"/>
+              </a:schemeClr>
+            </a:lnRef>
+            <a:fillRef idx="1">
+              <a:schemeClr val="accent1"/>
+            </a:fillRef>
+            <a:effectRef idx="0">
+              <a:schemeClr val="accent1"/>
+            </a:effectRef>
+            <a:fontRef idx="minor">
+              <a:schemeClr val="lt1"/>
+            </a:fontRef>
+          </p:style>
+          <p:txBody>
+            <a:bodyPr rtlCol="0" anchor="ctr"/>
+            <a:lstStyle/>
+            <a:p>
+              <a:pPr algn="ctr"/>
+              <a:endParaRPr lang="en-US"/>
+            </a:p>
+          </p:txBody>
+        </p:sp>
+        <p:sp>
+          <p:nvSpPr>
+            <p:cNvPr id="52" name="Rounded Rectangle 51"/>
+            <p:cNvSpPr/>
+            <p:nvPr/>
+          </p:nvSpPr>
+          <p:spPr>
+            <a:xfrm rot="16200000">
+              <a:off x="9053533" y="4645680"/>
+              <a:ext cx="360000" cy="360000"/>
+            </a:xfrm>
+            <a:prstGeom prst="roundRect">
+              <a:avLst/>
+            </a:prstGeom>
+            <a:noFill/>
+            <a:ln w="31750">
+              <a:solidFill>
+                <a:srgbClr val="B3E6D5"/>
+              </a:solidFill>
+            </a:ln>
+          </p:spPr>
+          <p:style>
+            <a:lnRef idx="2">
+              <a:schemeClr val="accent1">
+                <a:shade val="50000"/>
+              </a:schemeClr>
+            </a:lnRef>
+            <a:fillRef idx="1">
+              <a:schemeClr val="accent1"/>
+            </a:fillRef>
+            <a:effectRef idx="0">
+              <a:schemeClr val="accent1"/>
+            </a:effectRef>
+            <a:fontRef idx="minor">
+              <a:schemeClr val="lt1"/>
+            </a:fontRef>
+          </p:style>
+          <p:txBody>
+            <a:bodyPr rtlCol="0" anchor="ctr"/>
+            <a:lstStyle/>
+            <a:p>
+              <a:pPr algn="ctr"/>
+              <a:endParaRPr lang="en-US"/>
+            </a:p>
+          </p:txBody>
+        </p:sp>
+      </p:grpSp>
+      <p:sp>
+        <p:nvSpPr>
+          <p:cNvPr id="54" name="Rounded Rectangle 53"/>
+          <p:cNvSpPr/>
+          <p:nvPr/>
+        </p:nvSpPr>
+        <p:spPr>
+          <a:xfrm rot="16200000">
+            <a:off x="5007600" y="3636000"/>
+            <a:ext cx="262231" cy="262231"/>
+          </a:xfrm>
+          <a:prstGeom prst="roundRect">
+            <a:avLst>
+              <a:gd name="adj" fmla="val 8096"/>
+            </a:avLst>
+          </a:prstGeom>
+          <a:noFill/>
+          <a:ln w="31750">
+            <a:solidFill>
+              <a:srgbClr val="B3E6D5"/>
+            </a:solidFill>
+          </a:ln>
+          <a:scene3d>
+            <a:camera prst="orthographicFront">
+              <a:rot lat="0" lon="0" rev="0"/>
+            </a:camera>
+            <a:lightRig rig="threePt" dir="t"/>
+          </a:scene3d>
+        </p:spPr>
+        <p:style>
+          <a:lnRef idx="2">
+            <a:schemeClr val="accent1">
+              <a:shade val="50000"/>
+            </a:schemeClr>
+          </a:lnRef>
+          <a:fillRef idx="1">
+            <a:schemeClr val="accent1"/>
+          </a:fillRef>
+          <a:effectRef idx="0">
+            <a:schemeClr val="accent1"/>
+          </a:effectRef>
+          <a:fontRef idx="minor">
+            <a:schemeClr val="lt1"/>
+          </a:fontRef>
+        </p:style>
+        <p:txBody>
+          <a:bodyPr rtlCol="0" anchor="ctr"/>
+          <a:lstStyle/>
+          <a:p>
+            <a:pPr algn="ctr"/>
+            <a:endParaRPr lang="en-US"/>
+          </a:p>
+        </p:txBody>
+      </p:sp>
+      <p:sp>
+        <p:nvSpPr>
+          <p:cNvPr id="55" name="Rounded Rectangle 54"/>
+          <p:cNvSpPr>
+            <a:spLocks noChangeAspect="1"/>
+          </p:cNvSpPr>
+          <p:nvPr/>
+        </p:nvSpPr>
+        <p:spPr>
+          <a:xfrm rot="16200000">
+            <a:off x="5086800" y="3715200"/>
+            <a:ext cx="100800" cy="100800"/>
+          </a:xfrm>
+          <a:prstGeom prst="roundRect">
+            <a:avLst/>
+          </a:prstGeom>
+          <a:solidFill>
+            <a:srgbClr val="B9EADA"/>
+          </a:solidFill>
+          <a:ln w="31750">
+            <a:noFill/>
+          </a:ln>
+          <a:scene3d>
+            <a:camera prst="orthographicFront">
+              <a:rot lat="0" lon="0" rev="0"/>
+            </a:camera>
+            <a:lightRig rig="threePt" dir="t"/>
+          </a:scene3d>
+        </p:spPr>
+        <p:style>
+          <a:lnRef idx="2">
+            <a:schemeClr val="accent1">
+              <a:shade val="50000"/>
+            </a:schemeClr>
+          </a:lnRef>
+          <a:fillRef idx="1">
+            <a:schemeClr val="accent1"/>
+          </a:fillRef>
+          <a:effectRef idx="0">
+            <a:schemeClr val="accent1"/>
+          </a:effectRef>
+          <a:fontRef idx="minor">
+            <a:schemeClr val="lt1"/>
+          </a:fontRef>
+        </p:style>
+        <p:txBody>
+          <a:bodyPr rtlCol="0" anchor="ctr"/>
+          <a:lstStyle/>
+          <a:p>
+            <a:pPr algn="ctr"/>
+            <a:endParaRPr lang="en-US"/>
+          </a:p>
+        </p:txBody>
+      </p:sp>
+      <p:sp>
+        <p:nvSpPr>
+          <p:cNvPr id="65" name="Rounded Rectangle 64"/>
+          <p:cNvSpPr>
+            <a:spLocks noChangeAspect="1"/>
+          </p:cNvSpPr>
+          <p:nvPr/>
+        </p:nvSpPr>
+        <p:spPr>
+          <a:xfrm rot="16200000">
+            <a:off x="5086800" y="4068000"/>
+            <a:ext cx="100800" cy="100800"/>
+          </a:xfrm>
+          <a:prstGeom prst="roundRect">
+            <a:avLst/>
+          </a:prstGeom>
+          <a:solidFill>
+            <a:srgbClr val="B9EADA"/>
+          </a:solidFill>
+          <a:ln w="31750">
+            <a:noFill/>
+          </a:ln>
+          <a:scene3d>
+            <a:camera prst="orthographicFront">
+              <a:rot lat="0" lon="0" rev="0"/>
+            </a:camera>
+            <a:lightRig rig="threePt" dir="t"/>
+          </a:scene3d>
+        </p:spPr>
+        <p:style>
+          <a:lnRef idx="2">
+            <a:schemeClr val="accent1">
+              <a:shade val="50000"/>
+            </a:schemeClr>
+          </a:lnRef>
+          <a:fillRef idx="1">
+            <a:schemeClr val="accent1"/>
+          </a:fillRef>
+          <a:effectRef idx="0">
+            <a:schemeClr val="accent1"/>
+          </a:effectRef>
+          <a:fontRef idx="minor">
+            <a:schemeClr val="lt1"/>
+          </a:fontRef>
+        </p:style>
+        <p:txBody>
+          <a:bodyPr rtlCol="0" anchor="ctr"/>
+          <a:lstStyle/>
+          <a:p>
+            <a:pPr algn="ctr"/>
+            <a:endParaRPr lang="en-US"/>
+          </a:p>
+        </p:txBody>
+      </p:sp>
+      <p:sp>
+        <p:nvSpPr>
+          <p:cNvPr id="66" name="Rounded Rectangle 65"/>
+          <p:cNvSpPr>
+            <a:spLocks noChangeAspect="1"/>
+          </p:cNvSpPr>
+          <p:nvPr/>
+        </p:nvSpPr>
+        <p:spPr>
+          <a:xfrm rot="16200000">
+            <a:off x="5184000" y="3970800"/>
+            <a:ext cx="100800" cy="100800"/>
+          </a:xfrm>
+          <a:prstGeom prst="roundRect">
+            <a:avLst/>
+          </a:prstGeom>
+          <a:solidFill>
+            <a:srgbClr val="B9EADA"/>
+          </a:solidFill>
+          <a:ln w="31750">
+            <a:noFill/>
+          </a:ln>
+          <a:scene3d>
+            <a:camera prst="orthographicFront">
+              <a:rot lat="0" lon="0" rev="0"/>
+            </a:camera>
+            <a:lightRig rig="threePt" dir="t"/>
+          </a:scene3d>
+        </p:spPr>
+        <p:style>
+          <a:lnRef idx="2">
+            <a:schemeClr val="accent1">
+              <a:shade val="50000"/>
+            </a:schemeClr>
+          </a:lnRef>
+          <a:fillRef idx="1">
+            <a:schemeClr val="accent1"/>
+          </a:fillRef>
+          <a:effectRef idx="0">
+            <a:schemeClr val="accent1"/>
+          </a:effectRef>
+          <a:fontRef idx="minor">
+            <a:schemeClr val="lt1"/>
+          </a:fontRef>
+        </p:style>
+        <p:txBody>
+          <a:bodyPr rtlCol="0" anchor="ctr"/>
+          <a:lstStyle/>
+          <a:p>
+            <a:pPr algn="ctr"/>
+            <a:endParaRPr lang="en-US"/>
+          </a:p>
+        </p:txBody>
+      </p:sp>
+      <p:sp>
+        <p:nvSpPr>
+          <p:cNvPr id="67" name="Rounded Rectangle 66"/>
+          <p:cNvSpPr>
+            <a:spLocks noChangeAspect="1"/>
+          </p:cNvSpPr>
+          <p:nvPr/>
+        </p:nvSpPr>
+        <p:spPr>
+          <a:xfrm rot="16200000">
+            <a:off x="4989600" y="3970800"/>
+            <a:ext cx="100800" cy="100800"/>
+          </a:xfrm>
+          <a:prstGeom prst="roundRect">
+            <a:avLst/>
+          </a:prstGeom>
+          <a:solidFill>
+            <a:srgbClr val="B9EADA"/>
+          </a:solidFill>
+          <a:ln w="31750">
+            <a:noFill/>
+          </a:ln>
+          <a:scene3d>
+            <a:camera prst="orthographicFront">
+              <a:rot lat="0" lon="0" rev="0"/>
+            </a:camera>
+            <a:lightRig rig="threePt" dir="t"/>
+          </a:scene3d>
+        </p:spPr>
+        <p:style>
+          <a:lnRef idx="2">
+            <a:schemeClr val="accent1">
+              <a:shade val="50000"/>
+            </a:schemeClr>
+          </a:lnRef>
+          <a:fillRef idx="1">
+            <a:schemeClr val="accent1"/>
+          </a:fillRef>
+          <a:effectRef idx="0">
+            <a:schemeClr val="accent1"/>
+          </a:effectRef>
+          <a:fontRef idx="minor">
+            <a:schemeClr val="lt1"/>
+          </a:fontRef>
+        </p:style>
+        <p:txBody>
+          <a:bodyPr rtlCol="0" anchor="ctr"/>
+          <a:lstStyle/>
+          <a:p>
+            <a:pPr algn="ctr"/>
+            <a:endParaRPr lang="en-US"/>
+          </a:p>
+        </p:txBody>
+      </p:sp>
+      <p:sp>
+        <p:nvSpPr>
+          <p:cNvPr id="68" name="Rounded Rectangle 67"/>
+          <p:cNvSpPr>
+            <a:spLocks noChangeAspect="1"/>
+          </p:cNvSpPr>
+          <p:nvPr/>
+        </p:nvSpPr>
+        <p:spPr>
+          <a:xfrm rot="16200000">
+            <a:off x="4989600" y="4165200"/>
+            <a:ext cx="100800" cy="100800"/>
+          </a:xfrm>
+          <a:prstGeom prst="roundRect">
+            <a:avLst/>
+          </a:prstGeom>
+          <a:solidFill>
+            <a:srgbClr val="B9EADA"/>
+          </a:solidFill>
+          <a:ln w="31750">
+            <a:noFill/>
+          </a:ln>
+          <a:scene3d>
+            <a:camera prst="orthographicFront">
+              <a:rot lat="0" lon="0" rev="0"/>
+            </a:camera>
+            <a:lightRig rig="threePt" dir="t"/>
+          </a:scene3d>
+        </p:spPr>
+        <p:style>
+          <a:lnRef idx="2">
+            <a:schemeClr val="accent1">
+              <a:shade val="50000"/>
+            </a:schemeClr>
+          </a:lnRef>
+          <a:fillRef idx="1">
+            <a:schemeClr val="accent1"/>
+          </a:fillRef>
+          <a:effectRef idx="0">
+            <a:schemeClr val="accent1"/>
+          </a:effectRef>
+          <a:fontRef idx="minor">
+            <a:schemeClr val="lt1"/>
+          </a:fontRef>
+        </p:style>
+        <p:txBody>
+          <a:bodyPr rtlCol="0" anchor="ctr"/>
+          <a:lstStyle/>
+          <a:p>
+            <a:pPr algn="ctr"/>
+            <a:endParaRPr lang="en-US"/>
+          </a:p>
+        </p:txBody>
+      </p:sp>
+      <p:sp>
+        <p:nvSpPr>
+          <p:cNvPr id="69" name="Rounded Rectangle 68"/>
+          <p:cNvSpPr>
+            <a:spLocks noChangeAspect="1"/>
+          </p:cNvSpPr>
+          <p:nvPr/>
+        </p:nvSpPr>
+        <p:spPr>
+          <a:xfrm rot="16200000">
+            <a:off x="5184000" y="4165200"/>
+            <a:ext cx="100800" cy="100800"/>
+          </a:xfrm>
+          <a:prstGeom prst="roundRect">
+            <a:avLst/>
+          </a:prstGeom>
+          <a:solidFill>
+            <a:srgbClr val="B9EADA"/>
+          </a:solidFill>
+          <a:ln w="31750">
+            <a:noFill/>
+          </a:ln>
+          <a:scene3d>
+            <a:camera prst="orthographicFront">
+              <a:rot lat="0" lon="0" rev="0"/>
+            </a:camera>
+            <a:lightRig rig="threePt" dir="t"/>
+          </a:scene3d>
+        </p:spPr>
+        <p:style>
+          <a:lnRef idx="2">
+            <a:schemeClr val="accent1">
+              <a:shade val="50000"/>
+            </a:schemeClr>
+          </a:lnRef>
+          <a:fillRef idx="1">
+            <a:schemeClr val="accent1"/>
+          </a:fillRef>
+          <a:effectRef idx="0">
+            <a:schemeClr val="accent1"/>
+          </a:effectRef>
+          <a:fontRef idx="minor">
+            <a:schemeClr val="lt1"/>
+          </a:fontRef>
+        </p:style>
+        <p:txBody>
+          <a:bodyPr rtlCol="0" anchor="ctr"/>
+          <a:lstStyle/>
+          <a:p>
+            <a:pPr algn="ctr"/>
+            <a:endParaRPr lang="en-US"/>
+          </a:p>
+        </p:txBody>
+      </p:sp>
     </p:spTree>
     <p:extLst>
       <p:ext uri="{BB962C8B-B14F-4D97-AF65-F5344CB8AC3E}">
@@ -5721,6 +6353,121 @@
 </p:sld>
 </file>
 
+<file path=ppt/slides/slide3.xml><?xml version="1.0" encoding="utf-8"?>
+<p:sld xmlns:a="http://schemas.openxmlformats.org/drawingml/2006/main" xmlns:r="http://schemas.openxmlformats.org/officeDocument/2006/relationships" xmlns:p="http://schemas.openxmlformats.org/presentationml/2006/main">
+  <p:cSld>
+    <p:spTree>
+      <p:nvGrpSpPr>
+        <p:cNvPr id="1" name=""/>
+        <p:cNvGrpSpPr/>
+        <p:nvPr/>
+      </p:nvGrpSpPr>
+      <p:grpSpPr>
+        <a:xfrm>
+          <a:off x="0" y="0"/>
+          <a:ext cx="0" cy="0"/>
+          <a:chOff x="0" y="0"/>
+          <a:chExt cx="0" cy="0"/>
+        </a:xfrm>
+      </p:grpSpPr>
+      <p:sp>
+        <p:nvSpPr>
+          <p:cNvPr id="4" name="Прямоугольник 3"/>
+          <p:cNvSpPr/>
+          <p:nvPr/>
+        </p:nvSpPr>
+        <p:spPr>
+          <a:xfrm>
+            <a:off x="1115616" y="-367041"/>
+            <a:ext cx="7200000" cy="7200000"/>
+          </a:xfrm>
+          <a:prstGeom prst="rect">
+            <a:avLst/>
+          </a:prstGeom>
+          <a:gradFill flip="none" rotWithShape="1">
+            <a:gsLst>
+              <a:gs pos="0">
+                <a:srgbClr val="374284"/>
+              </a:gs>
+              <a:gs pos="84000">
+                <a:srgbClr val="20264C"/>
+              </a:gs>
+            </a:gsLst>
+            <a:lin ang="5400000" scaled="0"/>
+            <a:tileRect/>
+          </a:gradFill>
+          <a:ln>
+            <a:noFill/>
+          </a:ln>
+        </p:spPr>
+        <p:style>
+          <a:lnRef idx="2">
+            <a:schemeClr val="accent1">
+              <a:shade val="50000"/>
+            </a:schemeClr>
+          </a:lnRef>
+          <a:fillRef idx="1">
+            <a:schemeClr val="accent1"/>
+          </a:fillRef>
+          <a:effectRef idx="0">
+            <a:schemeClr val="accent1"/>
+          </a:effectRef>
+          <a:fontRef idx="minor">
+            <a:schemeClr val="lt1"/>
+          </a:fontRef>
+        </p:style>
+        <p:txBody>
+          <a:bodyPr rtlCol="0" anchor="ctr"/>
+          <a:lstStyle/>
+          <a:p>
+            <a:pPr algn="ctr"/>
+            <a:endParaRPr lang="ru-RU"/>
+          </a:p>
+        </p:txBody>
+      </p:sp>
+      <p:pic>
+        <p:nvPicPr>
+          <p:cNvPr id="9" name="Picture 8"/>
+          <p:cNvPicPr>
+            <a:picLocks noChangeAspect="1"/>
+          </p:cNvPicPr>
+          <p:nvPr/>
+        </p:nvPicPr>
+        <p:blipFill>
+          <a:blip r:embed="rId2">
+            <a:extLst>
+              <a:ext uri="{28A0092B-C50C-407E-A947-70E740481C1C}">
+                <a14:useLocalDpi xmlns:a14="http://schemas.microsoft.com/office/drawing/2010/main" val="0"/>
+              </a:ext>
+            </a:extLst>
+          </a:blip>
+          <a:stretch>
+            <a:fillRect/>
+          </a:stretch>
+        </p:blipFill>
+        <p:spPr>
+          <a:xfrm>
+            <a:off x="2758800" y="846375"/>
+            <a:ext cx="3913632" cy="4773168"/>
+          </a:xfrm>
+          <a:prstGeom prst="rect">
+            <a:avLst/>
+          </a:prstGeom>
+        </p:spPr>
+      </p:pic>
+    </p:spTree>
+    <p:extLst>
+      <p:ext uri="{BB962C8B-B14F-4D97-AF65-F5344CB8AC3E}">
+        <p14:creationId xmlns:p14="http://schemas.microsoft.com/office/powerpoint/2010/main" val="135497281"/>
+      </p:ext>
+    </p:extLst>
+  </p:cSld>
+  <p:clrMapOvr>
+    <a:masterClrMapping/>
+  </p:clrMapOvr>
+</p:sld>
+</file>
+
 <file path=ppt/theme/theme1.xml><?xml version="1.0" encoding="utf-8"?>
 <a:theme xmlns:a="http://schemas.openxmlformats.org/drawingml/2006/main" name="Тема Office">
   <a:themeElements>
